--- a/caption_report.pptx
+++ b/caption_report.pptx
@@ -1,9 +1,12 @@
 
 <file path=ppt/presentation.xml><?xml version="1.0" encoding="utf-8"?>
-<p:presentation xmlns:a="http://schemas.openxmlformats.org/drawingml/2006/main" xmlns:r="http://schemas.openxmlformats.org/officeDocument/2006/relationships" xmlns:p="http://schemas.openxmlformats.org/presentationml/2006/main" autoCompressPictures="0">
+<p:presentation xmlns:a="http://schemas.openxmlformats.org/drawingml/2006/main" xmlns:r="http://schemas.openxmlformats.org/officeDocument/2006/relationships" xmlns:p="http://schemas.openxmlformats.org/presentationml/2006/main" showSpecialPlsOnTitleSld="0" autoCompressPictures="0">
   <p:sldMasterIdLst>
     <p:sldMasterId id="2147483648" r:id="rId1"/>
   </p:sldMasterIdLst>
+  <p:notesMasterIdLst>
+    <p:notesMasterId r:id="rId11"/>
+  </p:notesMasterIdLst>
   <p:sldIdLst>
     <p:sldId id="256" r:id="rId2"/>
     <p:sldId id="258" r:id="rId3"/>
@@ -13,6 +16,7 @@
     <p:sldId id="318" r:id="rId7"/>
     <p:sldId id="319" r:id="rId8"/>
     <p:sldId id="320" r:id="rId9"/>
+    <p:sldId id="321" r:id="rId10"/>
   </p:sldIdLst>
   <p:sldSz cx="12192000" cy="6858000"/>
   <p:notesSz cx="6858000" cy="9144000"/>
@@ -122,7 +126,7 @@
 <file path=ppt/revisionInfo.xml><?xml version="1.0" encoding="utf-8"?>
 <p1510:revInfo xmlns:a="http://schemas.openxmlformats.org/drawingml/2006/main" xmlns:r="http://schemas.openxmlformats.org/officeDocument/2006/relationships" xmlns:p1510="http://schemas.microsoft.com/office/powerpoint/2015/10/main">
   <p1510:revLst>
-    <p1510:client id="{C080776A-1616-43FD-A763-C7C40DC5C439}" v="23" dt="2019-11-08T23:53:27.463"/>
+    <p1510:client id="{C080776A-1616-43FD-A763-C7C40DC5C439}" v="33" dt="2019-11-09T00:52:41.970"/>
   </p1510:revLst>
 </p1510:revInfo>
 </file>
@@ -266,7 +270,403 @@
       </pc:sldChg>
     </pc:docChg>
   </pc:docChgLst>
+  <pc:docChgLst>
+    <pc:chgData name="Raj V" userId="58c9507ec7e87cfb" providerId="LiveId" clId="{C080776A-1616-43FD-A763-C7C40DC5C439}"/>
+    <pc:docChg chg="custSel addSld modSld">
+      <pc:chgData name="Raj V" userId="58c9507ec7e87cfb" providerId="LiveId" clId="{C080776A-1616-43FD-A763-C7C40DC5C439}" dt="2019-11-09T00:53:19.238" v="210" actId="20577"/>
+      <pc:docMkLst>
+        <pc:docMk/>
+      </pc:docMkLst>
+      <pc:sldChg chg="addSp delSp modSp">
+        <pc:chgData name="Raj V" userId="58c9507ec7e87cfb" providerId="LiveId" clId="{C080776A-1616-43FD-A763-C7C40DC5C439}" dt="2019-11-09T00:38:54.055" v="1"/>
+        <pc:sldMkLst>
+          <pc:docMk/>
+          <pc:sldMk cId="2211167120" sldId="320"/>
+        </pc:sldMkLst>
+        <pc:spChg chg="add del mod">
+          <ac:chgData name="Raj V" userId="58c9507ec7e87cfb" providerId="LiveId" clId="{C080776A-1616-43FD-A763-C7C40DC5C439}" dt="2019-11-09T00:38:54.055" v="1"/>
+          <ac:spMkLst>
+            <pc:docMk/>
+            <pc:sldMk cId="2211167120" sldId="320"/>
+            <ac:spMk id="3" creationId="{8761DD0D-9A37-40B7-968B-8A3E6D82A7C2}"/>
+          </ac:spMkLst>
+        </pc:spChg>
+      </pc:sldChg>
+      <pc:sldChg chg="modSp add">
+        <pc:chgData name="Raj V" userId="58c9507ec7e87cfb" providerId="LiveId" clId="{C080776A-1616-43FD-A763-C7C40DC5C439}" dt="2019-11-09T00:53:19.238" v="210" actId="20577"/>
+        <pc:sldMkLst>
+          <pc:docMk/>
+          <pc:sldMk cId="811417787" sldId="321"/>
+        </pc:sldMkLst>
+        <pc:spChg chg="mod">
+          <ac:chgData name="Raj V" userId="58c9507ec7e87cfb" providerId="LiveId" clId="{C080776A-1616-43FD-A763-C7C40DC5C439}" dt="2019-11-09T00:46:11.032" v="3"/>
+          <ac:spMkLst>
+            <pc:docMk/>
+            <pc:sldMk cId="811417787" sldId="321"/>
+            <ac:spMk id="2" creationId="{4B27EB5E-D4FF-48D4-8920-5A742118B292}"/>
+          </ac:spMkLst>
+        </pc:spChg>
+        <pc:spChg chg="mod">
+          <ac:chgData name="Raj V" userId="58c9507ec7e87cfb" providerId="LiveId" clId="{C080776A-1616-43FD-A763-C7C40DC5C439}" dt="2019-11-09T00:53:19.238" v="210" actId="20577"/>
+          <ac:spMkLst>
+            <pc:docMk/>
+            <pc:sldMk cId="811417787" sldId="321"/>
+            <ac:spMk id="4" creationId="{A6B6AFB3-D7D5-44EC-A312-CD08B1EBA93D}"/>
+          </ac:spMkLst>
+        </pc:spChg>
+      </pc:sldChg>
+    </pc:docChg>
+  </pc:docChgLst>
 </pc:chgInfo>
+</file>
+
+<file path=ppt/notesMasters/notesMaster1.xml><?xml version="1.0" encoding="utf-8"?>
+<p:notesMaster xmlns:a="http://schemas.openxmlformats.org/drawingml/2006/main" xmlns:r="http://schemas.openxmlformats.org/officeDocument/2006/relationships" xmlns:p="http://schemas.openxmlformats.org/presentationml/2006/main">
+  <p:cSld>
+    <p:bg>
+      <p:bgRef idx="1001">
+        <a:schemeClr val="bg1"/>
+      </p:bgRef>
+    </p:bg>
+    <p:spTree>
+      <p:nvGrpSpPr>
+        <p:cNvPr id="1" name=""/>
+        <p:cNvGrpSpPr/>
+        <p:nvPr/>
+      </p:nvGrpSpPr>
+      <p:grpSpPr>
+        <a:xfrm>
+          <a:off x="0" y="0"/>
+          <a:ext cx="0" cy="0"/>
+          <a:chOff x="0" y="0"/>
+          <a:chExt cx="0" cy="0"/>
+        </a:xfrm>
+      </p:grpSpPr>
+      <p:sp>
+        <p:nvSpPr>
+          <p:cNvPr id="2" name="Header Placeholder 1"/>
+          <p:cNvSpPr>
+            <a:spLocks noGrp="1"/>
+          </p:cNvSpPr>
+          <p:nvPr>
+            <p:ph type="hdr" sz="quarter"/>
+          </p:nvPr>
+        </p:nvSpPr>
+        <p:spPr>
+          <a:xfrm>
+            <a:off x="0" y="0"/>
+            <a:ext cx="2971800" cy="458788"/>
+          </a:xfrm>
+          <a:prstGeom prst="rect">
+            <a:avLst/>
+          </a:prstGeom>
+        </p:spPr>
+        <p:txBody>
+          <a:bodyPr vert="horz" lIns="91440" tIns="45720" rIns="91440" bIns="45720" rtlCol="0"/>
+          <a:lstStyle>
+            <a:lvl1pPr algn="l">
+              <a:defRPr sz="1200"/>
+            </a:lvl1pPr>
+          </a:lstStyle>
+          <a:p>
+            <a:endParaRPr lang="en-US"/>
+          </a:p>
+        </p:txBody>
+      </p:sp>
+      <p:sp>
+        <p:nvSpPr>
+          <p:cNvPr id="3" name="Date Placeholder 2"/>
+          <p:cNvSpPr>
+            <a:spLocks noGrp="1"/>
+          </p:cNvSpPr>
+          <p:nvPr>
+            <p:ph type="dt" idx="1"/>
+          </p:nvPr>
+        </p:nvSpPr>
+        <p:spPr>
+          <a:xfrm>
+            <a:off x="3884613" y="0"/>
+            <a:ext cx="2971800" cy="458788"/>
+          </a:xfrm>
+          <a:prstGeom prst="rect">
+            <a:avLst/>
+          </a:prstGeom>
+        </p:spPr>
+        <p:txBody>
+          <a:bodyPr vert="horz" lIns="91440" tIns="45720" rIns="91440" bIns="45720" rtlCol="0"/>
+          <a:lstStyle>
+            <a:lvl1pPr algn="r">
+              <a:defRPr sz="1200"/>
+            </a:lvl1pPr>
+          </a:lstStyle>
+          <a:p>
+            <a:fld id="{7C0A715E-A8DC-4FFD-8BCA-2CE4348B4DCB}" type="datetimeFigureOut">
+              <a:rPr lang="en-US" smtClean="0"/>
+              <a:t>11/8/2019</a:t>
+            </a:fld>
+            <a:endParaRPr lang="en-US"/>
+          </a:p>
+        </p:txBody>
+      </p:sp>
+      <p:sp>
+        <p:nvSpPr>
+          <p:cNvPr id="4" name="Slide Image Placeholder 3"/>
+          <p:cNvSpPr>
+            <a:spLocks noGrp="1" noRot="1" noChangeAspect="1"/>
+          </p:cNvSpPr>
+          <p:nvPr>
+            <p:ph type="sldImg" idx="2"/>
+          </p:nvPr>
+        </p:nvSpPr>
+        <p:spPr>
+          <a:xfrm>
+            <a:off x="685800" y="1143000"/>
+            <a:ext cx="5486400" cy="3086100"/>
+          </a:xfrm>
+          <a:prstGeom prst="rect">
+            <a:avLst/>
+          </a:prstGeom>
+          <a:noFill/>
+          <a:ln w="12700">
+            <a:solidFill>
+              <a:prstClr val="black"/>
+            </a:solidFill>
+          </a:ln>
+        </p:spPr>
+        <p:txBody>
+          <a:bodyPr vert="horz" lIns="91440" tIns="45720" rIns="91440" bIns="45720" rtlCol="0" anchor="ctr"/>
+          <a:lstStyle/>
+          <a:p>
+            <a:endParaRPr lang="en-US"/>
+          </a:p>
+        </p:txBody>
+      </p:sp>
+      <p:sp>
+        <p:nvSpPr>
+          <p:cNvPr id="5" name="Notes Placeholder 4"/>
+          <p:cNvSpPr>
+            <a:spLocks noGrp="1"/>
+          </p:cNvSpPr>
+          <p:nvPr>
+            <p:ph type="body" sz="quarter" idx="3"/>
+          </p:nvPr>
+        </p:nvSpPr>
+        <p:spPr>
+          <a:xfrm>
+            <a:off x="685800" y="4400550"/>
+            <a:ext cx="5486400" cy="3600450"/>
+          </a:xfrm>
+          <a:prstGeom prst="rect">
+            <a:avLst/>
+          </a:prstGeom>
+        </p:spPr>
+        <p:txBody>
+          <a:bodyPr vert="horz" lIns="91440" tIns="45720" rIns="91440" bIns="45720" rtlCol="0"/>
+          <a:lstStyle/>
+          <a:p>
+            <a:pPr lvl="0"/>
+            <a:r>
+              <a:rPr lang="en-US"/>
+              <a:t>Click to edit Master text styles</a:t>
+            </a:r>
+          </a:p>
+          <a:p>
+            <a:pPr lvl="1"/>
+            <a:r>
+              <a:rPr lang="en-US"/>
+              <a:t>Second level</a:t>
+            </a:r>
+          </a:p>
+          <a:p>
+            <a:pPr lvl="2"/>
+            <a:r>
+              <a:rPr lang="en-US"/>
+              <a:t>Third level</a:t>
+            </a:r>
+          </a:p>
+          <a:p>
+            <a:pPr lvl="3"/>
+            <a:r>
+              <a:rPr lang="en-US"/>
+              <a:t>Fourth level</a:t>
+            </a:r>
+          </a:p>
+          <a:p>
+            <a:pPr lvl="4"/>
+            <a:r>
+              <a:rPr lang="en-US"/>
+              <a:t>Fifth level</a:t>
+            </a:r>
+          </a:p>
+        </p:txBody>
+      </p:sp>
+      <p:sp>
+        <p:nvSpPr>
+          <p:cNvPr id="6" name="Footer Placeholder 5"/>
+          <p:cNvSpPr>
+            <a:spLocks noGrp="1"/>
+          </p:cNvSpPr>
+          <p:nvPr>
+            <p:ph type="ftr" sz="quarter" idx="4"/>
+          </p:nvPr>
+        </p:nvSpPr>
+        <p:spPr>
+          <a:xfrm>
+            <a:off x="0" y="8685213"/>
+            <a:ext cx="2971800" cy="458787"/>
+          </a:xfrm>
+          <a:prstGeom prst="rect">
+            <a:avLst/>
+          </a:prstGeom>
+        </p:spPr>
+        <p:txBody>
+          <a:bodyPr vert="horz" lIns="91440" tIns="45720" rIns="91440" bIns="45720" rtlCol="0" anchor="b"/>
+          <a:lstStyle>
+            <a:lvl1pPr algn="l">
+              <a:defRPr sz="1200"/>
+            </a:lvl1pPr>
+          </a:lstStyle>
+          <a:p>
+            <a:endParaRPr lang="en-US"/>
+          </a:p>
+        </p:txBody>
+      </p:sp>
+      <p:sp>
+        <p:nvSpPr>
+          <p:cNvPr id="7" name="Slide Number Placeholder 6"/>
+          <p:cNvSpPr>
+            <a:spLocks noGrp="1"/>
+          </p:cNvSpPr>
+          <p:nvPr>
+            <p:ph type="sldNum" sz="quarter" idx="5"/>
+          </p:nvPr>
+        </p:nvSpPr>
+        <p:spPr>
+          <a:xfrm>
+            <a:off x="3884613" y="8685213"/>
+            <a:ext cx="2971800" cy="458787"/>
+          </a:xfrm>
+          <a:prstGeom prst="rect">
+            <a:avLst/>
+          </a:prstGeom>
+        </p:spPr>
+        <p:txBody>
+          <a:bodyPr vert="horz" lIns="91440" tIns="45720" rIns="91440" bIns="45720" rtlCol="0" anchor="b"/>
+          <a:lstStyle>
+            <a:lvl1pPr algn="r">
+              <a:defRPr sz="1200"/>
+            </a:lvl1pPr>
+          </a:lstStyle>
+          <a:p>
+            <a:fld id="{C862315B-9E55-46FE-BC0C-E9F0799915B8}" type="slidenum">
+              <a:rPr lang="en-US" smtClean="0"/>
+              <a:t>‹#›</a:t>
+            </a:fld>
+            <a:endParaRPr lang="en-US"/>
+          </a:p>
+        </p:txBody>
+      </p:sp>
+    </p:spTree>
+    <p:extLst>
+      <p:ext uri="{BB962C8B-B14F-4D97-AF65-F5344CB8AC3E}">
+        <p14:creationId xmlns:p14="http://schemas.microsoft.com/office/powerpoint/2010/main" val="1555287112"/>
+      </p:ext>
+    </p:extLst>
+  </p:cSld>
+  <p:clrMap bg1="lt1" tx1="dk1" bg2="lt2" tx2="dk2" accent1="accent1" accent2="accent2" accent3="accent3" accent4="accent4" accent5="accent5" accent6="accent6" hlink="hlink" folHlink="folHlink"/>
+  <p:notesStyle>
+    <a:lvl1pPr marL="0" algn="l" defTabSz="914400" rtl="0" eaLnBrk="1" latinLnBrk="0" hangingPunct="1">
+      <a:defRPr sz="1200" kern="1200">
+        <a:solidFill>
+          <a:schemeClr val="tx1"/>
+        </a:solidFill>
+        <a:latin typeface="+mn-lt"/>
+        <a:ea typeface="+mn-ea"/>
+        <a:cs typeface="+mn-cs"/>
+      </a:defRPr>
+    </a:lvl1pPr>
+    <a:lvl2pPr marL="457200" algn="l" defTabSz="914400" rtl="0" eaLnBrk="1" latinLnBrk="0" hangingPunct="1">
+      <a:defRPr sz="1200" kern="1200">
+        <a:solidFill>
+          <a:schemeClr val="tx1"/>
+        </a:solidFill>
+        <a:latin typeface="+mn-lt"/>
+        <a:ea typeface="+mn-ea"/>
+        <a:cs typeface="+mn-cs"/>
+      </a:defRPr>
+    </a:lvl2pPr>
+    <a:lvl3pPr marL="914400" algn="l" defTabSz="914400" rtl="0" eaLnBrk="1" latinLnBrk="0" hangingPunct="1">
+      <a:defRPr sz="1200" kern="1200">
+        <a:solidFill>
+          <a:schemeClr val="tx1"/>
+        </a:solidFill>
+        <a:latin typeface="+mn-lt"/>
+        <a:ea typeface="+mn-ea"/>
+        <a:cs typeface="+mn-cs"/>
+      </a:defRPr>
+    </a:lvl3pPr>
+    <a:lvl4pPr marL="1371600" algn="l" defTabSz="914400" rtl="0" eaLnBrk="1" latinLnBrk="0" hangingPunct="1">
+      <a:defRPr sz="1200" kern="1200">
+        <a:solidFill>
+          <a:schemeClr val="tx1"/>
+        </a:solidFill>
+        <a:latin typeface="+mn-lt"/>
+        <a:ea typeface="+mn-ea"/>
+        <a:cs typeface="+mn-cs"/>
+      </a:defRPr>
+    </a:lvl4pPr>
+    <a:lvl5pPr marL="1828800" algn="l" defTabSz="914400" rtl="0" eaLnBrk="1" latinLnBrk="0" hangingPunct="1">
+      <a:defRPr sz="1200" kern="1200">
+        <a:solidFill>
+          <a:schemeClr val="tx1"/>
+        </a:solidFill>
+        <a:latin typeface="+mn-lt"/>
+        <a:ea typeface="+mn-ea"/>
+        <a:cs typeface="+mn-cs"/>
+      </a:defRPr>
+    </a:lvl5pPr>
+    <a:lvl6pPr marL="2286000" algn="l" defTabSz="914400" rtl="0" eaLnBrk="1" latinLnBrk="0" hangingPunct="1">
+      <a:defRPr sz="1200" kern="1200">
+        <a:solidFill>
+          <a:schemeClr val="tx1"/>
+        </a:solidFill>
+        <a:latin typeface="+mn-lt"/>
+        <a:ea typeface="+mn-ea"/>
+        <a:cs typeface="+mn-cs"/>
+      </a:defRPr>
+    </a:lvl6pPr>
+    <a:lvl7pPr marL="2743200" algn="l" defTabSz="914400" rtl="0" eaLnBrk="1" latinLnBrk="0" hangingPunct="1">
+      <a:defRPr sz="1200" kern="1200">
+        <a:solidFill>
+          <a:schemeClr val="tx1"/>
+        </a:solidFill>
+        <a:latin typeface="+mn-lt"/>
+        <a:ea typeface="+mn-ea"/>
+        <a:cs typeface="+mn-cs"/>
+      </a:defRPr>
+    </a:lvl7pPr>
+    <a:lvl8pPr marL="3200400" algn="l" defTabSz="914400" rtl="0" eaLnBrk="1" latinLnBrk="0" hangingPunct="1">
+      <a:defRPr sz="1200" kern="1200">
+        <a:solidFill>
+          <a:schemeClr val="tx1"/>
+        </a:solidFill>
+        <a:latin typeface="+mn-lt"/>
+        <a:ea typeface="+mn-ea"/>
+        <a:cs typeface="+mn-cs"/>
+      </a:defRPr>
+    </a:lvl8pPr>
+    <a:lvl9pPr marL="3657600" algn="l" defTabSz="914400" rtl="0" eaLnBrk="1" latinLnBrk="0" hangingPunct="1">
+      <a:defRPr sz="1200" kern="1200">
+        <a:solidFill>
+          <a:schemeClr val="tx1"/>
+        </a:solidFill>
+        <a:latin typeface="+mn-lt"/>
+        <a:ea typeface="+mn-ea"/>
+        <a:cs typeface="+mn-cs"/>
+      </a:defRPr>
+    </a:lvl9pPr>
+  </p:notesStyle>
+</p:notesMaster>
 </file>
 
 <file path=ppt/slideLayouts/slideLayout1.xml><?xml version="1.0" encoding="utf-8"?>
@@ -1010,9 +1410,8 @@
           <a:bodyPr/>
           <a:lstStyle/>
           <a:p>
-            <a:fld id="{B61BEF0D-F0BB-DE4B-95CE-6DB70DBA9567}" type="datetimeFigureOut">
-              <a:rPr lang="en-US" dirty="0"/>
-              <a:pPr/>
+            <a:fld id="{E7171913-27B1-4320-9E50-936C82539CDF}" type="datetime1">
+              <a:rPr lang="en-US" smtClean="0"/>
               <a:t>11/8/2019</a:t>
             </a:fld>
             <a:endParaRPr lang="en-US"/>
@@ -1257,9 +1656,8 @@
           <a:bodyPr/>
           <a:lstStyle/>
           <a:p>
-            <a:fld id="{B61BEF0D-F0BB-DE4B-95CE-6DB70DBA9567}" type="datetimeFigureOut">
-              <a:rPr lang="en-US" dirty="0"/>
-              <a:pPr/>
+            <a:fld id="{E890BE3E-F94B-433E-A595-8E67FCD3C36F}" type="datetime1">
+              <a:rPr lang="en-US" smtClean="0"/>
               <a:t>11/8/2019</a:t>
             </a:fld>
             <a:endParaRPr lang="en-US"/>
@@ -1567,9 +1965,8 @@
           <a:bodyPr/>
           <a:lstStyle/>
           <a:p>
-            <a:fld id="{B61BEF0D-F0BB-DE4B-95CE-6DB70DBA9567}" type="datetimeFigureOut">
-              <a:rPr lang="en-US" dirty="0"/>
-              <a:pPr/>
+            <a:fld id="{041A8385-AC8B-47A2-B10A-B7B8BA403C9F}" type="datetime1">
+              <a:rPr lang="en-US" smtClean="0"/>
               <a:t>11/8/2019</a:t>
             </a:fld>
             <a:endParaRPr lang="en-US"/>
@@ -1896,9 +2293,8 @@
           <a:bodyPr/>
           <a:lstStyle/>
           <a:p>
-            <a:fld id="{B61BEF0D-F0BB-DE4B-95CE-6DB70DBA9567}" type="datetimeFigureOut">
-              <a:rPr lang="en-US" dirty="0"/>
-              <a:pPr/>
+            <a:fld id="{1B31FF95-F08A-4593-B0B7-58EE7AD64EB6}" type="datetime1">
+              <a:rPr lang="en-US" smtClean="0"/>
               <a:t>11/8/2019</a:t>
             </a:fld>
             <a:endParaRPr lang="en-US"/>
@@ -2206,9 +2602,8 @@
           <a:bodyPr/>
           <a:lstStyle/>
           <a:p>
-            <a:fld id="{B61BEF0D-F0BB-DE4B-95CE-6DB70DBA9567}" type="datetimeFigureOut">
-              <a:rPr lang="en-US" dirty="0"/>
-              <a:pPr/>
+            <a:fld id="{16D1E0FF-DE87-45C1-9FC4-1702097A784B}" type="datetime1">
+              <a:rPr lang="en-US" smtClean="0"/>
               <a:t>11/8/2019</a:t>
             </a:fld>
             <a:endParaRPr lang="en-US"/>
@@ -2595,9 +2990,8 @@
           <a:bodyPr/>
           <a:lstStyle/>
           <a:p>
-            <a:fld id="{B61BEF0D-F0BB-DE4B-95CE-6DB70DBA9567}" type="datetimeFigureOut">
-              <a:rPr lang="en-US" dirty="0"/>
-              <a:pPr/>
+            <a:fld id="{38BE2EFF-6E8D-493F-A2FB-E891C7C78752}" type="datetime1">
+              <a:rPr lang="en-US" smtClean="0"/>
               <a:t>11/8/2019</a:t>
             </a:fld>
             <a:endParaRPr lang="en-US"/>
@@ -2760,8 +3154,8 @@
           <a:bodyPr/>
           <a:lstStyle/>
           <a:p>
-            <a:fld id="{55C6B4A9-1611-4792-9094-5F34BCA07E0B}" type="datetimeFigureOut">
-              <a:rPr lang="en-US" dirty="0"/>
+            <a:fld id="{6C54343D-3217-4686-97F4-F789B1230D8C}" type="datetime1">
+              <a:rPr lang="en-US" smtClean="0"/>
               <a:t>11/8/2019</a:t>
             </a:fld>
             <a:endParaRPr lang="en-US"/>
@@ -2933,9 +3327,8 @@
           <a:bodyPr/>
           <a:lstStyle/>
           <a:p>
-            <a:fld id="{B61BEF0D-F0BB-DE4B-95CE-6DB70DBA9567}" type="datetimeFigureOut">
-              <a:rPr lang="en-US" dirty="0"/>
-              <a:pPr/>
+            <a:fld id="{B9E84AE4-5D12-4639-AD37-E383248A2E7B}" type="datetime1">
+              <a:rPr lang="en-US" smtClean="0"/>
               <a:t>11/8/2019</a:t>
             </a:fld>
             <a:endParaRPr lang="en-US"/>
@@ -3098,8 +3491,8 @@
           <a:bodyPr/>
           <a:lstStyle/>
           <a:p>
-            <a:fld id="{42A54C80-263E-416B-A8E0-580EDEADCBDC}" type="datetimeFigureOut">
-              <a:rPr lang="en-US" dirty="0"/>
+            <a:fld id="{673E719F-7704-4C71-99B7-E3B147BA87C1}" type="datetime1">
+              <a:rPr lang="en-US" smtClean="0"/>
               <a:t>11/8/2019</a:t>
             </a:fld>
             <a:endParaRPr lang="en-US"/>
@@ -3339,9 +3732,8 @@
           <a:bodyPr/>
           <a:lstStyle/>
           <a:p>
-            <a:fld id="{B61BEF0D-F0BB-DE4B-95CE-6DB70DBA9567}" type="datetimeFigureOut">
-              <a:rPr lang="en-US" dirty="0"/>
-              <a:pPr/>
+            <a:fld id="{F96F1ACE-5097-4ACE-A175-CDB745D30BEF}" type="datetime1">
+              <a:rPr lang="en-US" smtClean="0"/>
               <a:t>11/8/2019</a:t>
             </a:fld>
             <a:endParaRPr lang="en-US"/>
@@ -3565,8 +3957,8 @@
           <a:bodyPr/>
           <a:lstStyle/>
           <a:p>
-            <a:fld id="{42A54C80-263E-416B-A8E0-580EDEADCBDC}" type="datetimeFigureOut">
-              <a:rPr lang="en-US" dirty="0"/>
+            <a:fld id="{45A2F0C3-4A92-4EE5-8B54-A5AF7BCE5789}" type="datetime1">
+              <a:rPr lang="en-US" smtClean="0"/>
               <a:t>11/8/2019</a:t>
             </a:fld>
             <a:endParaRPr lang="en-US"/>
@@ -3931,9 +4323,8 @@
           <a:bodyPr/>
           <a:lstStyle/>
           <a:p>
-            <a:fld id="{B61BEF0D-F0BB-DE4B-95CE-6DB70DBA9567}" type="datetimeFigureOut">
-              <a:rPr lang="en-US" dirty="0"/>
-              <a:pPr/>
+            <a:fld id="{EDF824C6-5C7A-4F5C-92F4-AD7D19C2051A}" type="datetime1">
+              <a:rPr lang="en-US" smtClean="0"/>
               <a:t>11/8/2019</a:t>
             </a:fld>
             <a:endParaRPr lang="en-US"/>
@@ -4050,9 +4441,8 @@
           <a:bodyPr/>
           <a:lstStyle/>
           <a:p>
-            <a:fld id="{B61BEF0D-F0BB-DE4B-95CE-6DB70DBA9567}" type="datetimeFigureOut">
-              <a:rPr lang="en-US" dirty="0"/>
-              <a:pPr/>
+            <a:fld id="{BCD7B128-4B0D-498D-9310-8C5400B692EF}" type="datetime1">
+              <a:rPr lang="en-US" smtClean="0"/>
               <a:t>11/8/2019</a:t>
             </a:fld>
             <a:endParaRPr lang="en-US"/>
@@ -4142,9 +4532,8 @@
           <a:bodyPr/>
           <a:lstStyle/>
           <a:p>
-            <a:fld id="{B61BEF0D-F0BB-DE4B-95CE-6DB70DBA9567}" type="datetimeFigureOut">
-              <a:rPr lang="en-US" dirty="0"/>
-              <a:pPr/>
+            <a:fld id="{332230DE-C891-4779-9DE1-32A3E1250CF2}" type="datetime1">
+              <a:rPr lang="en-US" smtClean="0"/>
               <a:t>11/8/2019</a:t>
             </a:fld>
             <a:endParaRPr lang="en-US"/>
@@ -4392,8 +4781,8 @@
           <a:bodyPr/>
           <a:lstStyle/>
           <a:p>
-            <a:fld id="{42A54C80-263E-416B-A8E0-580EDEADCBDC}" type="datetimeFigureOut">
-              <a:rPr lang="en-US" dirty="0"/>
+            <a:fld id="{BEDADA3C-2671-45F2-A32A-13E50C0E8792}" type="datetime1">
+              <a:rPr lang="en-US" smtClean="0"/>
               <a:t>11/8/2019</a:t>
             </a:fld>
             <a:endParaRPr lang="en-US"/>
@@ -4691,9 +5080,8 @@
           <a:bodyPr/>
           <a:lstStyle/>
           <a:p>
-            <a:fld id="{B61BEF0D-F0BB-DE4B-95CE-6DB70DBA9567}" type="datetimeFigureOut">
-              <a:rPr lang="en-US" dirty="0"/>
-              <a:pPr/>
+            <a:fld id="{0DE102AC-799D-4093-A078-B5081EC322A3}" type="datetime1">
+              <a:rPr lang="en-US" smtClean="0"/>
               <a:t>11/8/2019</a:t>
             </a:fld>
             <a:endParaRPr lang="en-US"/>
@@ -5387,9 +5775,8 @@
             </a:lvl1pPr>
           </a:lstStyle>
           <a:p>
-            <a:fld id="{B61BEF0D-F0BB-DE4B-95CE-6DB70DBA9567}" type="datetimeFigureOut">
-              <a:rPr lang="en-US" dirty="0"/>
-              <a:pPr/>
+            <a:fld id="{9EE1836C-445C-4904-808F-63F31B3C3F3C}" type="datetime1">
+              <a:rPr lang="en-US" smtClean="0"/>
               <a:t>11/8/2019</a:t>
             </a:fld>
             <a:endParaRPr lang="en-US"/>
@@ -5494,6 +5881,7 @@
     <p:sldLayoutId id="2147483668" r:id="rId15"/>
     <p:sldLayoutId id="2147483659" r:id="rId16"/>
   </p:sldLayoutIdLst>
+  <p:hf hdr="0" ftr="0" dt="0"/>
   <p:txStyles>
     <p:titleStyle>
       <a:lvl1pPr algn="l" defTabSz="457200" rtl="0" eaLnBrk="1" latinLnBrk="0" hangingPunct="1">
@@ -6071,6 +6459,35 @@
           </a:p>
         </p:txBody>
       </p:sp>
+      <p:sp>
+        <p:nvSpPr>
+          <p:cNvPr id="3" name="Slide Number Placeholder 2">
+            <a:extLst>
+              <a:ext uri="{FF2B5EF4-FFF2-40B4-BE49-F238E27FC236}">
+                <a16:creationId xmlns:a16="http://schemas.microsoft.com/office/drawing/2014/main" id="{FD5ACB1C-8411-47C2-8BF1-43F7855BDBF4}"/>
+              </a:ext>
+            </a:extLst>
+          </p:cNvPr>
+          <p:cNvSpPr>
+            <a:spLocks noGrp="1"/>
+          </p:cNvSpPr>
+          <p:nvPr>
+            <p:ph type="sldNum" sz="quarter" idx="12"/>
+          </p:nvPr>
+        </p:nvSpPr>
+        <p:spPr/>
+        <p:txBody>
+          <a:bodyPr/>
+          <a:lstStyle/>
+          <a:p>
+            <a:fld id="{519954A3-9DFD-4C44-94BA-B95130A3BA1C}" type="slidenum">
+              <a:rPr lang="en-US" smtClean="0"/>
+              <a:t>2</a:t>
+            </a:fld>
+            <a:endParaRPr lang="en-US"/>
+          </a:p>
+        </p:txBody>
+      </p:sp>
     </p:spTree>
     <p:extLst>
       <p:ext uri="{BB962C8B-B14F-4D97-AF65-F5344CB8AC3E}">
@@ -6190,6 +6607,35 @@
           </a:p>
         </p:txBody>
       </p:sp>
+      <p:sp>
+        <p:nvSpPr>
+          <p:cNvPr id="3" name="Slide Number Placeholder 2">
+            <a:extLst>
+              <a:ext uri="{FF2B5EF4-FFF2-40B4-BE49-F238E27FC236}">
+                <a16:creationId xmlns:a16="http://schemas.microsoft.com/office/drawing/2014/main" id="{D69B6F8B-EB9E-474F-839D-4FCB47A19AD8}"/>
+              </a:ext>
+            </a:extLst>
+          </p:cNvPr>
+          <p:cNvSpPr>
+            <a:spLocks noGrp="1"/>
+          </p:cNvSpPr>
+          <p:nvPr>
+            <p:ph type="sldNum" sz="quarter" idx="12"/>
+          </p:nvPr>
+        </p:nvSpPr>
+        <p:spPr/>
+        <p:txBody>
+          <a:bodyPr/>
+          <a:lstStyle/>
+          <a:p>
+            <a:fld id="{519954A3-9DFD-4C44-94BA-B95130A3BA1C}" type="slidenum">
+              <a:rPr lang="en-US" smtClean="0"/>
+              <a:t>3</a:t>
+            </a:fld>
+            <a:endParaRPr lang="en-US"/>
+          </a:p>
+        </p:txBody>
+      </p:sp>
     </p:spTree>
     <p:extLst>
       <p:ext uri="{BB962C8B-B14F-4D97-AF65-F5344CB8AC3E}">
@@ -6313,6 +6759,35 @@
               <a:buNone/>
             </a:pPr>
             <a:endParaRPr lang="en-US" dirty="0"/>
+          </a:p>
+        </p:txBody>
+      </p:sp>
+      <p:sp>
+        <p:nvSpPr>
+          <p:cNvPr id="3" name="Slide Number Placeholder 2">
+            <a:extLst>
+              <a:ext uri="{FF2B5EF4-FFF2-40B4-BE49-F238E27FC236}">
+                <a16:creationId xmlns:a16="http://schemas.microsoft.com/office/drawing/2014/main" id="{90A1CB41-A576-49E0-8602-D49DAA9551F2}"/>
+              </a:ext>
+            </a:extLst>
+          </p:cNvPr>
+          <p:cNvSpPr>
+            <a:spLocks noGrp="1"/>
+          </p:cNvSpPr>
+          <p:nvPr>
+            <p:ph type="sldNum" sz="quarter" idx="12"/>
+          </p:nvPr>
+        </p:nvSpPr>
+        <p:spPr/>
+        <p:txBody>
+          <a:bodyPr/>
+          <a:lstStyle/>
+          <a:p>
+            <a:fld id="{519954A3-9DFD-4C44-94BA-B95130A3BA1C}" type="slidenum">
+              <a:rPr lang="en-US" smtClean="0"/>
+              <a:t>4</a:t>
+            </a:fld>
+            <a:endParaRPr lang="en-US"/>
           </a:p>
         </p:txBody>
       </p:sp>
@@ -6494,6 +6969,35 @@
           </a:extLst>
         </p:spPr>
       </p:pic>
+      <p:sp>
+        <p:nvSpPr>
+          <p:cNvPr id="3" name="Slide Number Placeholder 2">
+            <a:extLst>
+              <a:ext uri="{FF2B5EF4-FFF2-40B4-BE49-F238E27FC236}">
+                <a16:creationId xmlns:a16="http://schemas.microsoft.com/office/drawing/2014/main" id="{EC43B864-3340-4012-A746-093B424C1BAA}"/>
+              </a:ext>
+            </a:extLst>
+          </p:cNvPr>
+          <p:cNvSpPr>
+            <a:spLocks noGrp="1"/>
+          </p:cNvSpPr>
+          <p:nvPr>
+            <p:ph type="sldNum" sz="quarter" idx="12"/>
+          </p:nvPr>
+        </p:nvSpPr>
+        <p:spPr/>
+        <p:txBody>
+          <a:bodyPr/>
+          <a:lstStyle/>
+          <a:p>
+            <a:fld id="{519954A3-9DFD-4C44-94BA-B95130A3BA1C}" type="slidenum">
+              <a:rPr lang="en-US" smtClean="0"/>
+              <a:t>5</a:t>
+            </a:fld>
+            <a:endParaRPr lang="en-US"/>
+          </a:p>
+        </p:txBody>
+      </p:sp>
     </p:spTree>
     <p:extLst>
       <p:ext uri="{BB962C8B-B14F-4D97-AF65-F5344CB8AC3E}">
@@ -6609,6 +7113,35 @@
           </a:p>
         </p:txBody>
       </p:sp>
+      <p:sp>
+        <p:nvSpPr>
+          <p:cNvPr id="3" name="Slide Number Placeholder 2">
+            <a:extLst>
+              <a:ext uri="{FF2B5EF4-FFF2-40B4-BE49-F238E27FC236}">
+                <a16:creationId xmlns:a16="http://schemas.microsoft.com/office/drawing/2014/main" id="{12AE537D-27A2-422B-8A30-388EA8222FDE}"/>
+              </a:ext>
+            </a:extLst>
+          </p:cNvPr>
+          <p:cNvSpPr>
+            <a:spLocks noGrp="1"/>
+          </p:cNvSpPr>
+          <p:nvPr>
+            <p:ph type="sldNum" sz="quarter" idx="12"/>
+          </p:nvPr>
+        </p:nvSpPr>
+        <p:spPr/>
+        <p:txBody>
+          <a:bodyPr/>
+          <a:lstStyle/>
+          <a:p>
+            <a:fld id="{519954A3-9DFD-4C44-94BA-B95130A3BA1C}" type="slidenum">
+              <a:rPr lang="en-US" smtClean="0"/>
+              <a:t>6</a:t>
+            </a:fld>
+            <a:endParaRPr lang="en-US"/>
+          </a:p>
+        </p:txBody>
+      </p:sp>
     </p:spTree>
     <p:extLst>
       <p:ext uri="{BB962C8B-B14F-4D97-AF65-F5344CB8AC3E}">
@@ -6717,6 +7250,35 @@
           </a:p>
         </p:txBody>
       </p:sp>
+      <p:sp>
+        <p:nvSpPr>
+          <p:cNvPr id="3" name="Slide Number Placeholder 2">
+            <a:extLst>
+              <a:ext uri="{FF2B5EF4-FFF2-40B4-BE49-F238E27FC236}">
+                <a16:creationId xmlns:a16="http://schemas.microsoft.com/office/drawing/2014/main" id="{6B74F4D6-913D-4EB8-8AA8-82659A26557E}"/>
+              </a:ext>
+            </a:extLst>
+          </p:cNvPr>
+          <p:cNvSpPr>
+            <a:spLocks noGrp="1"/>
+          </p:cNvSpPr>
+          <p:nvPr>
+            <p:ph type="sldNum" sz="quarter" idx="12"/>
+          </p:nvPr>
+        </p:nvSpPr>
+        <p:spPr/>
+        <p:txBody>
+          <a:bodyPr/>
+          <a:lstStyle/>
+          <a:p>
+            <a:fld id="{519954A3-9DFD-4C44-94BA-B95130A3BA1C}" type="slidenum">
+              <a:rPr lang="en-US" smtClean="0"/>
+              <a:t>7</a:t>
+            </a:fld>
+            <a:endParaRPr lang="en-US"/>
+          </a:p>
+        </p:txBody>
+      </p:sp>
     </p:spTree>
     <p:extLst>
       <p:ext uri="{BB962C8B-B14F-4D97-AF65-F5344CB8AC3E}">
@@ -6829,10 +7391,164 @@
           </a:p>
         </p:txBody>
       </p:sp>
+      <p:sp>
+        <p:nvSpPr>
+          <p:cNvPr id="5" name="Slide Number Placeholder 4">
+            <a:extLst>
+              <a:ext uri="{FF2B5EF4-FFF2-40B4-BE49-F238E27FC236}">
+                <a16:creationId xmlns:a16="http://schemas.microsoft.com/office/drawing/2014/main" id="{32C996D1-0CBC-4BFE-9F8D-C1024333B8A0}"/>
+              </a:ext>
+            </a:extLst>
+          </p:cNvPr>
+          <p:cNvSpPr>
+            <a:spLocks noGrp="1"/>
+          </p:cNvSpPr>
+          <p:nvPr>
+            <p:ph type="sldNum" sz="quarter" idx="12"/>
+          </p:nvPr>
+        </p:nvSpPr>
+        <p:spPr/>
+        <p:txBody>
+          <a:bodyPr/>
+          <a:lstStyle/>
+          <a:p>
+            <a:fld id="{519954A3-9DFD-4C44-94BA-B95130A3BA1C}" type="slidenum">
+              <a:rPr lang="en-US" smtClean="0"/>
+              <a:t>8</a:t>
+            </a:fld>
+            <a:endParaRPr lang="en-US"/>
+          </a:p>
+        </p:txBody>
+      </p:sp>
     </p:spTree>
     <p:extLst>
       <p:ext uri="{BB962C8B-B14F-4D97-AF65-F5344CB8AC3E}">
         <p14:creationId xmlns:p14="http://schemas.microsoft.com/office/powerpoint/2010/main" val="2211167120"/>
+      </p:ext>
+    </p:extLst>
+  </p:cSld>
+  <p:clrMapOvr>
+    <a:masterClrMapping/>
+  </p:clrMapOvr>
+</p:sld>
+</file>
+
+<file path=ppt/slides/slide9.xml><?xml version="1.0" encoding="utf-8"?>
+<p:sld xmlns:a="http://schemas.openxmlformats.org/drawingml/2006/main" xmlns:r="http://schemas.openxmlformats.org/officeDocument/2006/relationships" xmlns:p="http://schemas.openxmlformats.org/presentationml/2006/main">
+  <p:cSld>
+    <p:spTree>
+      <p:nvGrpSpPr>
+        <p:cNvPr id="1" name=""/>
+        <p:cNvGrpSpPr/>
+        <p:nvPr/>
+      </p:nvGrpSpPr>
+      <p:grpSpPr>
+        <a:xfrm>
+          <a:off x="0" y="0"/>
+          <a:ext cx="0" cy="0"/>
+          <a:chOff x="0" y="0"/>
+          <a:chExt cx="0" cy="0"/>
+        </a:xfrm>
+      </p:grpSpPr>
+      <p:sp>
+        <p:nvSpPr>
+          <p:cNvPr id="2" name="Title 1">
+            <a:extLst>
+              <a:ext uri="{FF2B5EF4-FFF2-40B4-BE49-F238E27FC236}">
+                <a16:creationId xmlns:a16="http://schemas.microsoft.com/office/drawing/2014/main" id="{4B27EB5E-D4FF-48D4-8920-5A742118B292}"/>
+              </a:ext>
+            </a:extLst>
+          </p:cNvPr>
+          <p:cNvSpPr>
+            <a:spLocks noGrp="1"/>
+          </p:cNvSpPr>
+          <p:nvPr>
+            <p:ph type="title"/>
+          </p:nvPr>
+        </p:nvSpPr>
+        <p:spPr/>
+        <p:txBody>
+          <a:bodyPr/>
+          <a:lstStyle/>
+          <a:p>
+            <a:r>
+              <a:rPr lang="en-US" dirty="0"/>
+              <a:t>Recommendations to the Client</a:t>
+            </a:r>
+          </a:p>
+        </p:txBody>
+      </p:sp>
+      <p:sp>
+        <p:nvSpPr>
+          <p:cNvPr id="4" name="Content Placeholder 3">
+            <a:extLst>
+              <a:ext uri="{FF2B5EF4-FFF2-40B4-BE49-F238E27FC236}">
+                <a16:creationId xmlns:a16="http://schemas.microsoft.com/office/drawing/2014/main" id="{A6B6AFB3-D7D5-44EC-A312-CD08B1EBA93D}"/>
+              </a:ext>
+            </a:extLst>
+          </p:cNvPr>
+          <p:cNvSpPr>
+            <a:spLocks noGrp="1"/>
+          </p:cNvSpPr>
+          <p:nvPr>
+            <p:ph idx="1"/>
+          </p:nvPr>
+        </p:nvSpPr>
+        <p:spPr>
+          <a:xfrm>
+            <a:off x="677334" y="1606731"/>
+            <a:ext cx="8596668" cy="5159829"/>
+          </a:xfrm>
+        </p:spPr>
+        <p:txBody>
+          <a:bodyPr>
+            <a:normAutofit/>
+          </a:bodyPr>
+          <a:lstStyle/>
+          <a:p>
+            <a:pPr marL="0" indent="0">
+              <a:buNone/>
+            </a:pPr>
+            <a:r>
+              <a:rPr lang="en-US" dirty="0"/>
+              <a:t>Facebook can use Image captioning functionality to automatically generate captions for photos in the News Feed of people who can't see them. This can be used with text-to-speech engines that allow blind people to use Facebook in other ways</a:t>
+            </a:r>
+          </a:p>
+        </p:txBody>
+      </p:sp>
+      <p:sp>
+        <p:nvSpPr>
+          <p:cNvPr id="5" name="Slide Number Placeholder 4">
+            <a:extLst>
+              <a:ext uri="{FF2B5EF4-FFF2-40B4-BE49-F238E27FC236}">
+                <a16:creationId xmlns:a16="http://schemas.microsoft.com/office/drawing/2014/main" id="{32C996D1-0CBC-4BFE-9F8D-C1024333B8A0}"/>
+              </a:ext>
+            </a:extLst>
+          </p:cNvPr>
+          <p:cNvSpPr>
+            <a:spLocks noGrp="1"/>
+          </p:cNvSpPr>
+          <p:nvPr>
+            <p:ph type="sldNum" sz="quarter" idx="12"/>
+          </p:nvPr>
+        </p:nvSpPr>
+        <p:spPr/>
+        <p:txBody>
+          <a:bodyPr/>
+          <a:lstStyle/>
+          <a:p>
+            <a:fld id="{519954A3-9DFD-4C44-94BA-B95130A3BA1C}" type="slidenum">
+              <a:rPr lang="en-US" smtClean="0"/>
+              <a:t>9</a:t>
+            </a:fld>
+            <a:endParaRPr lang="en-US"/>
+          </a:p>
+        </p:txBody>
+      </p:sp>
+    </p:spTree>
+    <p:extLst>
+      <p:ext uri="{BB962C8B-B14F-4D97-AF65-F5344CB8AC3E}">
+        <p14:creationId xmlns:p14="http://schemas.microsoft.com/office/powerpoint/2010/main" val="811417787"/>
       </p:ext>
     </p:extLst>
   </p:cSld>
@@ -7097,4 +7813,299 @@
     </a:ext>
   </a:extLst>
 </a:theme>
+</file>
+
+<file path=ppt/theme/theme2.xml><?xml version="1.0" encoding="utf-8"?>
+<a:theme xmlns:a="http://schemas.openxmlformats.org/drawingml/2006/main" name="Office Theme">
+  <a:themeElements>
+    <a:clrScheme name="Office">
+      <a:dk1>
+        <a:sysClr val="windowText" lastClr="000000"/>
+      </a:dk1>
+      <a:lt1>
+        <a:sysClr val="window" lastClr="FFFFFF"/>
+      </a:lt1>
+      <a:dk2>
+        <a:srgbClr val="44546A"/>
+      </a:dk2>
+      <a:lt2>
+        <a:srgbClr val="E7E6E6"/>
+      </a:lt2>
+      <a:accent1>
+        <a:srgbClr val="4472C4"/>
+      </a:accent1>
+      <a:accent2>
+        <a:srgbClr val="ED7D31"/>
+      </a:accent2>
+      <a:accent3>
+        <a:srgbClr val="A5A5A5"/>
+      </a:accent3>
+      <a:accent4>
+        <a:srgbClr val="FFC000"/>
+      </a:accent4>
+      <a:accent5>
+        <a:srgbClr val="5B9BD5"/>
+      </a:accent5>
+      <a:accent6>
+        <a:srgbClr val="70AD47"/>
+      </a:accent6>
+      <a:hlink>
+        <a:srgbClr val="0563C1"/>
+      </a:hlink>
+      <a:folHlink>
+        <a:srgbClr val="954F72"/>
+      </a:folHlink>
+    </a:clrScheme>
+    <a:fontScheme name="Office">
+      <a:majorFont>
+        <a:latin typeface="Calibri Light" panose="020F0302020204030204"/>
+        <a:ea typeface=""/>
+        <a:cs typeface=""/>
+        <a:font script="Jpan" typeface="游ゴシック Light"/>
+        <a:font script="Hang" typeface="맑은 고딕"/>
+        <a:font script="Hans" typeface="等线 Light"/>
+        <a:font script="Hant" typeface="新細明體"/>
+        <a:font script="Arab" typeface="Times New Roman"/>
+        <a:font script="Hebr" typeface="Times New Roman"/>
+        <a:font script="Thai" typeface="Angsana New"/>
+        <a:font script="Ethi" typeface="Nyala"/>
+        <a:font script="Beng" typeface="Vrinda"/>
+        <a:font script="Gujr" typeface="Shruti"/>
+        <a:font script="Khmr" typeface="MoolBoran"/>
+        <a:font script="Knda" typeface="Tunga"/>
+        <a:font script="Guru" typeface="Raavi"/>
+        <a:font script="Cans" typeface="Euphemia"/>
+        <a:font script="Cher" typeface="Plantagenet Cherokee"/>
+        <a:font script="Yiii" typeface="Microsoft Yi Baiti"/>
+        <a:font script="Tibt" typeface="Microsoft Himalaya"/>
+        <a:font script="Thaa" typeface="MV Boli"/>
+        <a:font script="Deva" typeface="Mangal"/>
+        <a:font script="Telu" typeface="Gautami"/>
+        <a:font script="Taml" typeface="Latha"/>
+        <a:font script="Syrc" typeface="Estrangelo Edessa"/>
+        <a:font script="Orya" typeface="Kalinga"/>
+        <a:font script="Mlym" typeface="Kartika"/>
+        <a:font script="Laoo" typeface="DokChampa"/>
+        <a:font script="Sinh" typeface="Iskoola Pota"/>
+        <a:font script="Mong" typeface="Mongolian Baiti"/>
+        <a:font script="Viet" typeface="Times New Roman"/>
+        <a:font script="Uigh" typeface="Microsoft Uighur"/>
+        <a:font script="Geor" typeface="Sylfaen"/>
+        <a:font script="Armn" typeface="Arial"/>
+        <a:font script="Bugi" typeface="Leelawadee UI"/>
+        <a:font script="Bopo" typeface="Microsoft JhengHei"/>
+        <a:font script="Java" typeface="Javanese Text"/>
+        <a:font script="Lisu" typeface="Segoe UI"/>
+        <a:font script="Mymr" typeface="Myanmar Text"/>
+        <a:font script="Nkoo" typeface="Ebrima"/>
+        <a:font script="Olck" typeface="Nirmala UI"/>
+        <a:font script="Osma" typeface="Ebrima"/>
+        <a:font script="Phag" typeface="Phagspa"/>
+        <a:font script="Syrn" typeface="Estrangelo Edessa"/>
+        <a:font script="Syrj" typeface="Estrangelo Edessa"/>
+        <a:font script="Syre" typeface="Estrangelo Edessa"/>
+        <a:font script="Sora" typeface="Nirmala UI"/>
+        <a:font script="Tale" typeface="Microsoft Tai Le"/>
+        <a:font script="Talu" typeface="Microsoft New Tai Lue"/>
+        <a:font script="Tfng" typeface="Ebrima"/>
+      </a:majorFont>
+      <a:minorFont>
+        <a:latin typeface="Calibri" panose="020F0502020204030204"/>
+        <a:ea typeface=""/>
+        <a:cs typeface=""/>
+        <a:font script="Jpan" typeface="游ゴシック"/>
+        <a:font script="Hang" typeface="맑은 고딕"/>
+        <a:font script="Hans" typeface="等线"/>
+        <a:font script="Hant" typeface="新細明體"/>
+        <a:font script="Arab" typeface="Arial"/>
+        <a:font script="Hebr" typeface="Arial"/>
+        <a:font script="Thai" typeface="Cordia New"/>
+        <a:font script="Ethi" typeface="Nyala"/>
+        <a:font script="Beng" typeface="Vrinda"/>
+        <a:font script="Gujr" typeface="Shruti"/>
+        <a:font script="Khmr" typeface="DaunPenh"/>
+        <a:font script="Knda" typeface="Tunga"/>
+        <a:font script="Guru" typeface="Raavi"/>
+        <a:font script="Cans" typeface="Euphemia"/>
+        <a:font script="Cher" typeface="Plantagenet Cherokee"/>
+        <a:font script="Yiii" typeface="Microsoft Yi Baiti"/>
+        <a:font script="Tibt" typeface="Microsoft Himalaya"/>
+        <a:font script="Thaa" typeface="MV Boli"/>
+        <a:font script="Deva" typeface="Mangal"/>
+        <a:font script="Telu" typeface="Gautami"/>
+        <a:font script="Taml" typeface="Latha"/>
+        <a:font script="Syrc" typeface="Estrangelo Edessa"/>
+        <a:font script="Orya" typeface="Kalinga"/>
+        <a:font script="Mlym" typeface="Kartika"/>
+        <a:font script="Laoo" typeface="DokChampa"/>
+        <a:font script="Sinh" typeface="Iskoola Pota"/>
+        <a:font script="Mong" typeface="Mongolian Baiti"/>
+        <a:font script="Viet" typeface="Arial"/>
+        <a:font script="Uigh" typeface="Microsoft Uighur"/>
+        <a:font script="Geor" typeface="Sylfaen"/>
+        <a:font script="Armn" typeface="Arial"/>
+        <a:font script="Bugi" typeface="Leelawadee UI"/>
+        <a:font script="Bopo" typeface="Microsoft JhengHei"/>
+        <a:font script="Java" typeface="Javanese Text"/>
+        <a:font script="Lisu" typeface="Segoe UI"/>
+        <a:font script="Mymr" typeface="Myanmar Text"/>
+        <a:font script="Nkoo" typeface="Ebrima"/>
+        <a:font script="Olck" typeface="Nirmala UI"/>
+        <a:font script="Osma" typeface="Ebrima"/>
+        <a:font script="Phag" typeface="Phagspa"/>
+        <a:font script="Syrn" typeface="Estrangelo Edessa"/>
+        <a:font script="Syrj" typeface="Estrangelo Edessa"/>
+        <a:font script="Syre" typeface="Estrangelo Edessa"/>
+        <a:font script="Sora" typeface="Nirmala UI"/>
+        <a:font script="Tale" typeface="Microsoft Tai Le"/>
+        <a:font script="Talu" typeface="Microsoft New Tai Lue"/>
+        <a:font script="Tfng" typeface="Ebrima"/>
+      </a:minorFont>
+    </a:fontScheme>
+    <a:fmtScheme name="Office">
+      <a:fillStyleLst>
+        <a:solidFill>
+          <a:schemeClr val="phClr"/>
+        </a:solidFill>
+        <a:gradFill rotWithShape="1">
+          <a:gsLst>
+            <a:gs pos="0">
+              <a:schemeClr val="phClr">
+                <a:lumMod val="110000"/>
+                <a:satMod val="105000"/>
+                <a:tint val="67000"/>
+              </a:schemeClr>
+            </a:gs>
+            <a:gs pos="50000">
+              <a:schemeClr val="phClr">
+                <a:lumMod val="105000"/>
+                <a:satMod val="103000"/>
+                <a:tint val="73000"/>
+              </a:schemeClr>
+            </a:gs>
+            <a:gs pos="100000">
+              <a:schemeClr val="phClr">
+                <a:lumMod val="105000"/>
+                <a:satMod val="109000"/>
+                <a:tint val="81000"/>
+              </a:schemeClr>
+            </a:gs>
+          </a:gsLst>
+          <a:lin ang="5400000" scaled="0"/>
+        </a:gradFill>
+        <a:gradFill rotWithShape="1">
+          <a:gsLst>
+            <a:gs pos="0">
+              <a:schemeClr val="phClr">
+                <a:satMod val="103000"/>
+                <a:lumMod val="102000"/>
+                <a:tint val="94000"/>
+              </a:schemeClr>
+            </a:gs>
+            <a:gs pos="50000">
+              <a:schemeClr val="phClr">
+                <a:satMod val="110000"/>
+                <a:lumMod val="100000"/>
+                <a:shade val="100000"/>
+              </a:schemeClr>
+            </a:gs>
+            <a:gs pos="100000">
+              <a:schemeClr val="phClr">
+                <a:lumMod val="99000"/>
+                <a:satMod val="120000"/>
+                <a:shade val="78000"/>
+              </a:schemeClr>
+            </a:gs>
+          </a:gsLst>
+          <a:lin ang="5400000" scaled="0"/>
+        </a:gradFill>
+      </a:fillStyleLst>
+      <a:lnStyleLst>
+        <a:ln w="6350" cap="flat" cmpd="sng" algn="ctr">
+          <a:solidFill>
+            <a:schemeClr val="phClr"/>
+          </a:solidFill>
+          <a:prstDash val="solid"/>
+          <a:miter lim="800000"/>
+        </a:ln>
+        <a:ln w="12700" cap="flat" cmpd="sng" algn="ctr">
+          <a:solidFill>
+            <a:schemeClr val="phClr"/>
+          </a:solidFill>
+          <a:prstDash val="solid"/>
+          <a:miter lim="800000"/>
+        </a:ln>
+        <a:ln w="19050" cap="flat" cmpd="sng" algn="ctr">
+          <a:solidFill>
+            <a:schemeClr val="phClr"/>
+          </a:solidFill>
+          <a:prstDash val="solid"/>
+          <a:miter lim="800000"/>
+        </a:ln>
+      </a:lnStyleLst>
+      <a:effectStyleLst>
+        <a:effectStyle>
+          <a:effectLst/>
+        </a:effectStyle>
+        <a:effectStyle>
+          <a:effectLst/>
+        </a:effectStyle>
+        <a:effectStyle>
+          <a:effectLst>
+            <a:outerShdw blurRad="57150" dist="19050" dir="5400000" algn="ctr" rotWithShape="0">
+              <a:srgbClr val="000000">
+                <a:alpha val="63000"/>
+              </a:srgbClr>
+            </a:outerShdw>
+          </a:effectLst>
+        </a:effectStyle>
+      </a:effectStyleLst>
+      <a:bgFillStyleLst>
+        <a:solidFill>
+          <a:schemeClr val="phClr"/>
+        </a:solidFill>
+        <a:solidFill>
+          <a:schemeClr val="phClr">
+            <a:tint val="95000"/>
+            <a:satMod val="170000"/>
+          </a:schemeClr>
+        </a:solidFill>
+        <a:gradFill rotWithShape="1">
+          <a:gsLst>
+            <a:gs pos="0">
+              <a:schemeClr val="phClr">
+                <a:tint val="93000"/>
+                <a:satMod val="150000"/>
+                <a:shade val="98000"/>
+                <a:lumMod val="102000"/>
+              </a:schemeClr>
+            </a:gs>
+            <a:gs pos="50000">
+              <a:schemeClr val="phClr">
+                <a:tint val="98000"/>
+                <a:satMod val="130000"/>
+                <a:shade val="90000"/>
+                <a:lumMod val="103000"/>
+              </a:schemeClr>
+            </a:gs>
+            <a:gs pos="100000">
+              <a:schemeClr val="phClr">
+                <a:shade val="63000"/>
+                <a:satMod val="120000"/>
+              </a:schemeClr>
+            </a:gs>
+          </a:gsLst>
+          <a:lin ang="5400000" scaled="0"/>
+        </a:gradFill>
+      </a:bgFillStyleLst>
+    </a:fmtScheme>
+  </a:themeElements>
+  <a:objectDefaults/>
+  <a:extraClrSchemeLst/>
+  <a:extLst>
+    <a:ext uri="{05A4C25C-085E-4340-85A3-A5531E510DB2}">
+      <thm15:themeFamily xmlns:thm15="http://schemas.microsoft.com/office/thememl/2012/main" name="Office Theme" id="{62F939B6-93AF-4DB8-9C6B-D6C7DFDC589F}" vid="{4A3C46E8-61CC-4603-A589-7422A47A8E4A}"/>
+    </a:ext>
+  </a:extLst>
+</a:theme>
 </file>
--- a/caption_report.pptx
+++ b/caption_report.pptx
@@ -5,7 +5,7 @@
     <p:sldMasterId id="2147483648" r:id="rId1"/>
   </p:sldMasterIdLst>
   <p:notesMasterIdLst>
-    <p:notesMasterId r:id="rId11"/>
+    <p:notesMasterId r:id="rId16"/>
   </p:notesMasterIdLst>
   <p:sldIdLst>
     <p:sldId id="256" r:id="rId2"/>
@@ -13,10 +13,15 @@
     <p:sldId id="315" r:id="rId4"/>
     <p:sldId id="316" r:id="rId5"/>
     <p:sldId id="317" r:id="rId6"/>
-    <p:sldId id="318" r:id="rId7"/>
-    <p:sldId id="319" r:id="rId8"/>
-    <p:sldId id="320" r:id="rId9"/>
-    <p:sldId id="321" r:id="rId10"/>
+    <p:sldId id="325" r:id="rId7"/>
+    <p:sldId id="326" r:id="rId8"/>
+    <p:sldId id="327" r:id="rId9"/>
+    <p:sldId id="319" r:id="rId10"/>
+    <p:sldId id="320" r:id="rId11"/>
+    <p:sldId id="322" r:id="rId12"/>
+    <p:sldId id="321" r:id="rId13"/>
+    <p:sldId id="323" r:id="rId14"/>
+    <p:sldId id="324" r:id="rId15"/>
   </p:sldIdLst>
   <p:sldSz cx="12192000" cy="6858000"/>
   <p:notesSz cx="6858000" cy="9144000"/>
@@ -126,7 +131,7 @@
 <file path=ppt/revisionInfo.xml><?xml version="1.0" encoding="utf-8"?>
 <p1510:revInfo xmlns:a="http://schemas.openxmlformats.org/drawingml/2006/main" xmlns:r="http://schemas.openxmlformats.org/officeDocument/2006/relationships" xmlns:p1510="http://schemas.microsoft.com/office/powerpoint/2015/10/main">
   <p1510:revLst>
-    <p1510:client id="{C080776A-1616-43FD-A763-C7C40DC5C439}" v="33" dt="2019-11-09T00:52:41.970"/>
+    <p1510:client id="{C080776A-1616-43FD-A763-C7C40DC5C439}" v="104" dt="2019-11-11T23:00:04.232"/>
   </p1510:revLst>
 </p1510:revInfo>
 </file>
@@ -272,13 +277,73 @@
   </pc:docChgLst>
   <pc:docChgLst>
     <pc:chgData name="Raj V" userId="58c9507ec7e87cfb" providerId="LiveId" clId="{C080776A-1616-43FD-A763-C7C40DC5C439}"/>
-    <pc:docChg chg="custSel addSld modSld">
-      <pc:chgData name="Raj V" userId="58c9507ec7e87cfb" providerId="LiveId" clId="{C080776A-1616-43FD-A763-C7C40DC5C439}" dt="2019-11-09T00:53:19.238" v="210" actId="20577"/>
+    <pc:docChg chg="undo custSel addSld delSld modSld modMainMaster">
+      <pc:chgData name="Raj V" userId="58c9507ec7e87cfb" providerId="LiveId" clId="{C080776A-1616-43FD-A763-C7C40DC5C439}" dt="2019-11-11T23:28:01.181" v="1656" actId="5793"/>
       <pc:docMkLst>
         <pc:docMk/>
       </pc:docMkLst>
+      <pc:sldChg chg="modSp">
+        <pc:chgData name="Raj V" userId="58c9507ec7e87cfb" providerId="LiveId" clId="{C080776A-1616-43FD-A763-C7C40DC5C439}" dt="2019-11-11T22:30:52.703" v="1393" actId="20577"/>
+        <pc:sldMkLst>
+          <pc:docMk/>
+          <pc:sldMk cId="2234147386" sldId="258"/>
+        </pc:sldMkLst>
+        <pc:spChg chg="mod">
+          <ac:chgData name="Raj V" userId="58c9507ec7e87cfb" providerId="LiveId" clId="{C080776A-1616-43FD-A763-C7C40DC5C439}" dt="2019-11-11T22:30:52.703" v="1393" actId="20577"/>
+          <ac:spMkLst>
+            <pc:docMk/>
+            <pc:sldMk cId="2234147386" sldId="258"/>
+            <ac:spMk id="4" creationId="{A6B6AFB3-D7D5-44EC-A312-CD08B1EBA93D}"/>
+          </ac:spMkLst>
+        </pc:spChg>
+      </pc:sldChg>
+      <pc:sldChg chg="addSp modSp">
+        <pc:chgData name="Raj V" userId="58c9507ec7e87cfb" providerId="LiveId" clId="{C080776A-1616-43FD-A763-C7C40DC5C439}" dt="2019-11-11T23:00:41.779" v="1644" actId="14100"/>
+        <pc:sldMkLst>
+          <pc:docMk/>
+          <pc:sldMk cId="1173134836" sldId="315"/>
+        </pc:sldMkLst>
+        <pc:spChg chg="mod">
+          <ac:chgData name="Raj V" userId="58c9507ec7e87cfb" providerId="LiveId" clId="{C080776A-1616-43FD-A763-C7C40DC5C439}" dt="2019-11-11T23:00:22.755" v="1640" actId="20577"/>
+          <ac:spMkLst>
+            <pc:docMk/>
+            <pc:sldMk cId="1173134836" sldId="315"/>
+            <ac:spMk id="4" creationId="{A6B6AFB3-D7D5-44EC-A312-CD08B1EBA93D}"/>
+          </ac:spMkLst>
+        </pc:spChg>
+        <pc:picChg chg="add mod">
+          <ac:chgData name="Raj V" userId="58c9507ec7e87cfb" providerId="LiveId" clId="{C080776A-1616-43FD-A763-C7C40DC5C439}" dt="2019-11-11T23:00:41.779" v="1644" actId="14100"/>
+          <ac:picMkLst>
+            <pc:docMk/>
+            <pc:sldMk cId="1173134836" sldId="315"/>
+            <ac:picMk id="5" creationId="{E2E08837-1387-4BC4-B837-5A47BBD5DA88}"/>
+          </ac:picMkLst>
+        </pc:picChg>
+      </pc:sldChg>
+      <pc:sldChg chg="del">
+        <pc:chgData name="Raj V" userId="58c9507ec7e87cfb" providerId="LiveId" clId="{C080776A-1616-43FD-A763-C7C40DC5C439}" dt="2019-11-11T22:44:24.778" v="1534" actId="47"/>
+        <pc:sldMkLst>
+          <pc:docMk/>
+          <pc:sldMk cId="2743112071" sldId="318"/>
+        </pc:sldMkLst>
+      </pc:sldChg>
+      <pc:sldChg chg="modSp">
+        <pc:chgData name="Raj V" userId="58c9507ec7e87cfb" providerId="LiveId" clId="{C080776A-1616-43FD-A763-C7C40DC5C439}" dt="2019-11-11T22:56:02.030" v="1637" actId="20577"/>
+        <pc:sldMkLst>
+          <pc:docMk/>
+          <pc:sldMk cId="407667818" sldId="319"/>
+        </pc:sldMkLst>
+        <pc:spChg chg="mod">
+          <ac:chgData name="Raj V" userId="58c9507ec7e87cfb" providerId="LiveId" clId="{C080776A-1616-43FD-A763-C7C40DC5C439}" dt="2019-11-11T22:56:02.030" v="1637" actId="20577"/>
+          <ac:spMkLst>
+            <pc:docMk/>
+            <pc:sldMk cId="407667818" sldId="319"/>
+            <ac:spMk id="4" creationId="{A6B6AFB3-D7D5-44EC-A312-CD08B1EBA93D}"/>
+          </ac:spMkLst>
+        </pc:spChg>
+      </pc:sldChg>
       <pc:sldChg chg="addSp delSp modSp">
-        <pc:chgData name="Raj V" userId="58c9507ec7e87cfb" providerId="LiveId" clId="{C080776A-1616-43FD-A763-C7C40DC5C439}" dt="2019-11-09T00:38:54.055" v="1"/>
+        <pc:chgData name="Raj V" userId="58c9507ec7e87cfb" providerId="LiveId" clId="{C080776A-1616-43FD-A763-C7C40DC5C439}" dt="2019-11-11T22:08:10.011" v="1380" actId="20577"/>
         <pc:sldMkLst>
           <pc:docMk/>
           <pc:sldMk cId="2211167120" sldId="320"/>
@@ -291,9 +356,17 @@
             <ac:spMk id="3" creationId="{8761DD0D-9A37-40B7-968B-8A3E6D82A7C2}"/>
           </ac:spMkLst>
         </pc:spChg>
+        <pc:spChg chg="mod">
+          <ac:chgData name="Raj V" userId="58c9507ec7e87cfb" providerId="LiveId" clId="{C080776A-1616-43FD-A763-C7C40DC5C439}" dt="2019-11-11T22:08:10.011" v="1380" actId="20577"/>
+          <ac:spMkLst>
+            <pc:docMk/>
+            <pc:sldMk cId="2211167120" sldId="320"/>
+            <ac:spMk id="4" creationId="{A6B6AFB3-D7D5-44EC-A312-CD08B1EBA93D}"/>
+          </ac:spMkLst>
+        </pc:spChg>
       </pc:sldChg>
       <pc:sldChg chg="modSp add">
-        <pc:chgData name="Raj V" userId="58c9507ec7e87cfb" providerId="LiveId" clId="{C080776A-1616-43FD-A763-C7C40DC5C439}" dt="2019-11-09T00:53:19.238" v="210" actId="20577"/>
+        <pc:chgData name="Raj V" userId="58c9507ec7e87cfb" providerId="LiveId" clId="{C080776A-1616-43FD-A763-C7C40DC5C439}" dt="2019-11-11T21:06:23.149" v="847" actId="313"/>
         <pc:sldMkLst>
           <pc:docMk/>
           <pc:sldMk cId="811417787" sldId="321"/>
@@ -307,7 +380,7 @@
           </ac:spMkLst>
         </pc:spChg>
         <pc:spChg chg="mod">
-          <ac:chgData name="Raj V" userId="58c9507ec7e87cfb" providerId="LiveId" clId="{C080776A-1616-43FD-A763-C7C40DC5C439}" dt="2019-11-09T00:53:19.238" v="210" actId="20577"/>
+          <ac:chgData name="Raj V" userId="58c9507ec7e87cfb" providerId="LiveId" clId="{C080776A-1616-43FD-A763-C7C40DC5C439}" dt="2019-11-11T21:06:23.149" v="847" actId="313"/>
           <ac:spMkLst>
             <pc:docMk/>
             <pc:sldMk cId="811417787" sldId="321"/>
@@ -315,6 +388,190 @@
           </ac:spMkLst>
         </pc:spChg>
       </pc:sldChg>
+      <pc:sldChg chg="modSp add">
+        <pc:chgData name="Raj V" userId="58c9507ec7e87cfb" providerId="LiveId" clId="{C080776A-1616-43FD-A763-C7C40DC5C439}" dt="2019-11-11T22:04:24.638" v="1348" actId="20577"/>
+        <pc:sldMkLst>
+          <pc:docMk/>
+          <pc:sldMk cId="1753770662" sldId="322"/>
+        </pc:sldMkLst>
+        <pc:spChg chg="mod">
+          <ac:chgData name="Raj V" userId="58c9507ec7e87cfb" providerId="LiveId" clId="{C080776A-1616-43FD-A763-C7C40DC5C439}" dt="2019-11-11T22:04:24.638" v="1348" actId="20577"/>
+          <ac:spMkLst>
+            <pc:docMk/>
+            <pc:sldMk cId="1753770662" sldId="322"/>
+            <ac:spMk id="4" creationId="{A6B6AFB3-D7D5-44EC-A312-CD08B1EBA93D}"/>
+          </ac:spMkLst>
+        </pc:spChg>
+      </pc:sldChg>
+      <pc:sldChg chg="modSp add">
+        <pc:chgData name="Raj V" userId="58c9507ec7e87cfb" providerId="LiveId" clId="{C080776A-1616-43FD-A763-C7C40DC5C439}" dt="2019-11-11T23:28:01.181" v="1656" actId="5793"/>
+        <pc:sldMkLst>
+          <pc:docMk/>
+          <pc:sldMk cId="2487799348" sldId="323"/>
+        </pc:sldMkLst>
+        <pc:spChg chg="mod">
+          <ac:chgData name="Raj V" userId="58c9507ec7e87cfb" providerId="LiveId" clId="{C080776A-1616-43FD-A763-C7C40DC5C439}" dt="2019-11-11T21:46:26.826" v="1108" actId="20577"/>
+          <ac:spMkLst>
+            <pc:docMk/>
+            <pc:sldMk cId="2487799348" sldId="323"/>
+            <ac:spMk id="2" creationId="{4B27EB5E-D4FF-48D4-8920-5A742118B292}"/>
+          </ac:spMkLst>
+        </pc:spChg>
+        <pc:spChg chg="mod">
+          <ac:chgData name="Raj V" userId="58c9507ec7e87cfb" providerId="LiveId" clId="{C080776A-1616-43FD-A763-C7C40DC5C439}" dt="2019-11-11T23:28:01.181" v="1656" actId="5793"/>
+          <ac:spMkLst>
+            <pc:docMk/>
+            <pc:sldMk cId="2487799348" sldId="323"/>
+            <ac:spMk id="4" creationId="{A6B6AFB3-D7D5-44EC-A312-CD08B1EBA93D}"/>
+          </ac:spMkLst>
+        </pc:spChg>
+      </pc:sldChg>
+      <pc:sldChg chg="modSp add">
+        <pc:chgData name="Raj V" userId="58c9507ec7e87cfb" providerId="LiveId" clId="{C080776A-1616-43FD-A763-C7C40DC5C439}" dt="2019-11-11T22:06:11.829" v="1372" actId="20577"/>
+        <pc:sldMkLst>
+          <pc:docMk/>
+          <pc:sldMk cId="3035336011" sldId="324"/>
+        </pc:sldMkLst>
+        <pc:spChg chg="mod">
+          <ac:chgData name="Raj V" userId="58c9507ec7e87cfb" providerId="LiveId" clId="{C080776A-1616-43FD-A763-C7C40DC5C439}" dt="2019-11-11T22:06:11.829" v="1372" actId="20577"/>
+          <ac:spMkLst>
+            <pc:docMk/>
+            <pc:sldMk cId="3035336011" sldId="324"/>
+            <ac:spMk id="4" creationId="{A6B6AFB3-D7D5-44EC-A312-CD08B1EBA93D}"/>
+          </ac:spMkLst>
+        </pc:spChg>
+      </pc:sldChg>
+      <pc:sldChg chg="add">
+        <pc:chgData name="Raj V" userId="58c9507ec7e87cfb" providerId="LiveId" clId="{C080776A-1616-43FD-A763-C7C40DC5C439}" dt="2019-11-11T22:35:50.185" v="1394"/>
+        <pc:sldMkLst>
+          <pc:docMk/>
+          <pc:sldMk cId="965338806" sldId="325"/>
+        </pc:sldMkLst>
+      </pc:sldChg>
+      <pc:sldChg chg="addSp delSp modSp add">
+        <pc:chgData name="Raj V" userId="58c9507ec7e87cfb" providerId="LiveId" clId="{C080776A-1616-43FD-A763-C7C40DC5C439}" dt="2019-11-11T23:01:58.671" v="1647" actId="255"/>
+        <pc:sldMkLst>
+          <pc:docMk/>
+          <pc:sldMk cId="699423140" sldId="326"/>
+        </pc:sldMkLst>
+        <pc:spChg chg="mod">
+          <ac:chgData name="Raj V" userId="58c9507ec7e87cfb" providerId="LiveId" clId="{C080776A-1616-43FD-A763-C7C40DC5C439}" dt="2019-11-11T23:01:40.173" v="1646" actId="27636"/>
+          <ac:spMkLst>
+            <pc:docMk/>
+            <pc:sldMk cId="699423140" sldId="326"/>
+            <ac:spMk id="2" creationId="{4B27EB5E-D4FF-48D4-8920-5A742118B292}"/>
+          </ac:spMkLst>
+        </pc:spChg>
+        <pc:spChg chg="add del mod">
+          <ac:chgData name="Raj V" userId="58c9507ec7e87cfb" providerId="LiveId" clId="{C080776A-1616-43FD-A763-C7C40DC5C439}" dt="2019-11-11T22:37:06.451" v="1402"/>
+          <ac:spMkLst>
+            <pc:docMk/>
+            <pc:sldMk cId="699423140" sldId="326"/>
+            <ac:spMk id="4" creationId="{A6B6AFB3-D7D5-44EC-A312-CD08B1EBA93D}"/>
+          </ac:spMkLst>
+        </pc:spChg>
+        <pc:spChg chg="add del">
+          <ac:chgData name="Raj V" userId="58c9507ec7e87cfb" providerId="LiveId" clId="{C080776A-1616-43FD-A763-C7C40DC5C439}" dt="2019-11-11T22:36:17.148" v="1398"/>
+          <ac:spMkLst>
+            <pc:docMk/>
+            <pc:sldMk cId="699423140" sldId="326"/>
+            <ac:spMk id="5" creationId="{B1D082CA-7B4F-431F-A382-02CA0568FDAD}"/>
+          </ac:spMkLst>
+        </pc:spChg>
+        <pc:spChg chg="add del">
+          <ac:chgData name="Raj V" userId="58c9507ec7e87cfb" providerId="LiveId" clId="{C080776A-1616-43FD-A763-C7C40DC5C439}" dt="2019-11-11T22:36:32.753" v="1400"/>
+          <ac:spMkLst>
+            <pc:docMk/>
+            <pc:sldMk cId="699423140" sldId="326"/>
+            <ac:spMk id="6" creationId="{850A87D3-7F2C-478A-B347-F9DEEB34AEC0}"/>
+          </ac:spMkLst>
+        </pc:spChg>
+        <pc:spChg chg="add del mod">
+          <ac:chgData name="Raj V" userId="58c9507ec7e87cfb" providerId="LiveId" clId="{C080776A-1616-43FD-A763-C7C40DC5C439}" dt="2019-11-11T22:37:31.578" v="1407"/>
+          <ac:spMkLst>
+            <pc:docMk/>
+            <pc:sldMk cId="699423140" sldId="326"/>
+            <ac:spMk id="7" creationId="{92549FC3-8AF9-4419-9045-EB6DD2338D86}"/>
+          </ac:spMkLst>
+        </pc:spChg>
+        <pc:spChg chg="add mod">
+          <ac:chgData name="Raj V" userId="58c9507ec7e87cfb" providerId="LiveId" clId="{C080776A-1616-43FD-A763-C7C40DC5C439}" dt="2019-11-11T23:01:58.671" v="1647" actId="255"/>
+          <ac:spMkLst>
+            <pc:docMk/>
+            <pc:sldMk cId="699423140" sldId="326"/>
+            <ac:spMk id="8" creationId="{16C87629-A763-4651-8B81-832C6EE8A928}"/>
+          </ac:spMkLst>
+        </pc:spChg>
+        <pc:spChg chg="add del mod">
+          <ac:chgData name="Raj V" userId="58c9507ec7e87cfb" providerId="LiveId" clId="{C080776A-1616-43FD-A763-C7C40DC5C439}" dt="2019-11-11T22:37:31.579" v="1409"/>
+          <ac:spMkLst>
+            <pc:docMk/>
+            <pc:sldMk cId="699423140" sldId="326"/>
+            <ac:spMk id="9" creationId="{B76D4EEF-ECED-4F2C-999E-0FEF5DA923E5}"/>
+          </ac:spMkLst>
+        </pc:spChg>
+      </pc:sldChg>
+      <pc:sldChg chg="addSp delSp modSp add">
+        <pc:chgData name="Raj V" userId="58c9507ec7e87cfb" providerId="LiveId" clId="{C080776A-1616-43FD-A763-C7C40DC5C439}" dt="2019-11-11T22:51:31.876" v="1581" actId="1076"/>
+        <pc:sldMkLst>
+          <pc:docMk/>
+          <pc:sldMk cId="2167247069" sldId="327"/>
+        </pc:sldMkLst>
+        <pc:spChg chg="mod">
+          <ac:chgData name="Raj V" userId="58c9507ec7e87cfb" providerId="LiveId" clId="{C080776A-1616-43FD-A763-C7C40DC5C439}" dt="2019-11-11T22:48:42.270" v="1556" actId="20577"/>
+          <ac:spMkLst>
+            <pc:docMk/>
+            <pc:sldMk cId="2167247069" sldId="327"/>
+            <ac:spMk id="2" creationId="{4B27EB5E-D4FF-48D4-8920-5A742118B292}"/>
+          </ac:spMkLst>
+        </pc:spChg>
+        <pc:spChg chg="add mod">
+          <ac:chgData name="Raj V" userId="58c9507ec7e87cfb" providerId="LiveId" clId="{C080776A-1616-43FD-A763-C7C40DC5C439}" dt="2019-11-11T22:51:31.876" v="1581" actId="1076"/>
+          <ac:spMkLst>
+            <pc:docMk/>
+            <pc:sldMk cId="2167247069" sldId="327"/>
+            <ac:spMk id="4" creationId="{DFB8120D-13CC-406D-8C9C-FF7BEDF50447}"/>
+          </ac:spMkLst>
+        </pc:spChg>
+        <pc:spChg chg="del mod">
+          <ac:chgData name="Raj V" userId="58c9507ec7e87cfb" providerId="LiveId" clId="{C080776A-1616-43FD-A763-C7C40DC5C439}" dt="2019-11-11T22:49:36.058" v="1563"/>
+          <ac:spMkLst>
+            <pc:docMk/>
+            <pc:sldMk cId="2167247069" sldId="327"/>
+            <ac:spMk id="8" creationId="{16C87629-A763-4651-8B81-832C6EE8A928}"/>
+          </ac:spMkLst>
+        </pc:spChg>
+        <pc:picChg chg="add mod">
+          <ac:chgData name="Raj V" userId="58c9507ec7e87cfb" providerId="LiveId" clId="{C080776A-1616-43FD-A763-C7C40DC5C439}" dt="2019-11-11T22:50:35.916" v="1576" actId="14100"/>
+          <ac:picMkLst>
+            <pc:docMk/>
+            <pc:sldMk cId="2167247069" sldId="327"/>
+            <ac:picMk id="3074" creationId="{653BD257-FB61-4345-9A13-1A9367B26523}"/>
+          </ac:picMkLst>
+        </pc:picChg>
+      </pc:sldChg>
+      <pc:sldChg chg="add del">
+        <pc:chgData name="Raj V" userId="58c9507ec7e87cfb" providerId="LiveId" clId="{C080776A-1616-43FD-A763-C7C40DC5C439}" dt="2019-11-11T22:48:48.351" v="1558"/>
+        <pc:sldMkLst>
+          <pc:docMk/>
+          <pc:sldMk cId="1211656431" sldId="328"/>
+        </pc:sldMkLst>
+      </pc:sldChg>
+      <pc:sldMasterChg chg="modSp">
+        <pc:chgData name="Raj V" userId="58c9507ec7e87cfb" providerId="LiveId" clId="{C080776A-1616-43FD-A763-C7C40DC5C439}" dt="2019-11-11T22:29:22.760" v="1382" actId="255"/>
+        <pc:sldMasterMkLst>
+          <pc:docMk/>
+          <pc:sldMasterMk cId="0" sldId="2147483648"/>
+        </pc:sldMasterMkLst>
+        <pc:spChg chg="mod">
+          <ac:chgData name="Raj V" userId="58c9507ec7e87cfb" providerId="LiveId" clId="{C080776A-1616-43FD-A763-C7C40DC5C439}" dt="2019-11-11T22:29:22.760" v="1382" actId="255"/>
+          <ac:spMkLst>
+            <pc:docMk/>
+            <pc:sldMasterMk cId="0" sldId="2147483648"/>
+            <ac:spMk id="6" creationId="{00000000-0000-0000-0000-000000000000}"/>
+          </ac:spMkLst>
+        </pc:spChg>
+      </pc:sldMasterChg>
     </pc:docChg>
   </pc:docChgLst>
 </pc:chgInfo>
@@ -402,7 +659,7 @@
           <a:p>
             <a:fld id="{7C0A715E-A8DC-4FFD-8BCA-2CE4348B4DCB}" type="datetimeFigureOut">
               <a:rPr lang="en-US" smtClean="0"/>
-              <a:t>11/8/2019</a:t>
+              <a:t>11/11/2019</a:t>
             </a:fld>
             <a:endParaRPr lang="en-US"/>
           </a:p>
@@ -1410,9 +1667,9 @@
           <a:bodyPr/>
           <a:lstStyle/>
           <a:p>
-            <a:fld id="{E7171913-27B1-4320-9E50-936C82539CDF}" type="datetime1">
+            <a:fld id="{DED27276-4F29-46E9-BD9B-0FDA29C017A7}" type="datetime1">
               <a:rPr lang="en-US" smtClean="0"/>
-              <a:t>11/8/2019</a:t>
+              <a:t>11/11/2019</a:t>
             </a:fld>
             <a:endParaRPr lang="en-US"/>
           </a:p>
@@ -1656,9 +1913,9 @@
           <a:bodyPr/>
           <a:lstStyle/>
           <a:p>
-            <a:fld id="{E890BE3E-F94B-433E-A595-8E67FCD3C36F}" type="datetime1">
+            <a:fld id="{CF6CB82A-EE03-47E8-BC6B-E9EFA6D0D305}" type="datetime1">
               <a:rPr lang="en-US" smtClean="0"/>
-              <a:t>11/8/2019</a:t>
+              <a:t>11/11/2019</a:t>
             </a:fld>
             <a:endParaRPr lang="en-US"/>
           </a:p>
@@ -1965,9 +2222,9 @@
           <a:bodyPr/>
           <a:lstStyle/>
           <a:p>
-            <a:fld id="{041A8385-AC8B-47A2-B10A-B7B8BA403C9F}" type="datetime1">
+            <a:fld id="{71FD699D-82EF-440B-95C7-6AA7BE399586}" type="datetime1">
               <a:rPr lang="en-US" smtClean="0"/>
-              <a:t>11/8/2019</a:t>
+              <a:t>11/11/2019</a:t>
             </a:fld>
             <a:endParaRPr lang="en-US"/>
           </a:p>
@@ -2293,9 +2550,9 @@
           <a:bodyPr/>
           <a:lstStyle/>
           <a:p>
-            <a:fld id="{1B31FF95-F08A-4593-B0B7-58EE7AD64EB6}" type="datetime1">
+            <a:fld id="{09F29292-E476-4221-9845-3791ADA7549F}" type="datetime1">
               <a:rPr lang="en-US" smtClean="0"/>
-              <a:t>11/8/2019</a:t>
+              <a:t>11/11/2019</a:t>
             </a:fld>
             <a:endParaRPr lang="en-US"/>
           </a:p>
@@ -2602,9 +2859,9 @@
           <a:bodyPr/>
           <a:lstStyle/>
           <a:p>
-            <a:fld id="{16D1E0FF-DE87-45C1-9FC4-1702097A784B}" type="datetime1">
+            <a:fld id="{13316B19-6098-4B55-94EA-9963E12B4BA4}" type="datetime1">
               <a:rPr lang="en-US" smtClean="0"/>
-              <a:t>11/8/2019</a:t>
+              <a:t>11/11/2019</a:t>
             </a:fld>
             <a:endParaRPr lang="en-US"/>
           </a:p>
@@ -2990,9 +3247,9 @@
           <a:bodyPr/>
           <a:lstStyle/>
           <a:p>
-            <a:fld id="{38BE2EFF-6E8D-493F-A2FB-E891C7C78752}" type="datetime1">
+            <a:fld id="{162F27A0-1A3F-45D1-8476-1CFD90921483}" type="datetime1">
               <a:rPr lang="en-US" smtClean="0"/>
-              <a:t>11/8/2019</a:t>
+              <a:t>11/11/2019</a:t>
             </a:fld>
             <a:endParaRPr lang="en-US"/>
           </a:p>
@@ -3154,9 +3411,9 @@
           <a:bodyPr/>
           <a:lstStyle/>
           <a:p>
-            <a:fld id="{6C54343D-3217-4686-97F4-F789B1230D8C}" type="datetime1">
+            <a:fld id="{2BCBA014-F169-47C6-A71F-AEAA816ECC16}" type="datetime1">
               <a:rPr lang="en-US" smtClean="0"/>
-              <a:t>11/8/2019</a:t>
+              <a:t>11/11/2019</a:t>
             </a:fld>
             <a:endParaRPr lang="en-US"/>
           </a:p>
@@ -3327,9 +3584,9 @@
           <a:bodyPr/>
           <a:lstStyle/>
           <a:p>
-            <a:fld id="{B9E84AE4-5D12-4639-AD37-E383248A2E7B}" type="datetime1">
+            <a:fld id="{03A2F330-6EDC-48E3-B169-C3139CE8B26D}" type="datetime1">
               <a:rPr lang="en-US" smtClean="0"/>
-              <a:t>11/8/2019</a:t>
+              <a:t>11/11/2019</a:t>
             </a:fld>
             <a:endParaRPr lang="en-US"/>
           </a:p>
@@ -3419,7 +3676,7 @@
           <a:lstStyle/>
           <a:p>
             <a:r>
-              <a:rPr lang="en-US"/>
+              <a:rPr lang="en-US" dirty="0"/>
               <a:t>Click to edit Master title style</a:t>
             </a:r>
           </a:p>
@@ -3442,35 +3699,35 @@
           <a:p>
             <a:pPr lvl="0"/>
             <a:r>
-              <a:rPr lang="en-US"/>
+              <a:rPr lang="en-US" dirty="0"/>
               <a:t>Edit Master text styles</a:t>
             </a:r>
           </a:p>
           <a:p>
             <a:pPr lvl="1"/>
             <a:r>
-              <a:rPr lang="en-US"/>
+              <a:rPr lang="en-US" dirty="0"/>
               <a:t>Second level</a:t>
             </a:r>
           </a:p>
           <a:p>
             <a:pPr lvl="2"/>
             <a:r>
-              <a:rPr lang="en-US"/>
+              <a:rPr lang="en-US" dirty="0"/>
               <a:t>Third level</a:t>
             </a:r>
           </a:p>
           <a:p>
             <a:pPr lvl="3"/>
             <a:r>
-              <a:rPr lang="en-US"/>
+              <a:rPr lang="en-US" dirty="0"/>
               <a:t>Fourth level</a:t>
             </a:r>
           </a:p>
           <a:p>
             <a:pPr lvl="4"/>
             <a:r>
-              <a:rPr lang="en-US"/>
+              <a:rPr lang="en-US" dirty="0"/>
               <a:t>Fifth level</a:t>
             </a:r>
           </a:p>
@@ -3491,9 +3748,9 @@
           <a:bodyPr/>
           <a:lstStyle/>
           <a:p>
-            <a:fld id="{673E719F-7704-4C71-99B7-E3B147BA87C1}" type="datetime1">
+            <a:fld id="{6F508704-D3D4-4BB0-B431-A91AF1CBA54A}" type="datetime1">
               <a:rPr lang="en-US" smtClean="0"/>
-              <a:t>11/8/2019</a:t>
+              <a:t>11/11/2019</a:t>
             </a:fld>
             <a:endParaRPr lang="en-US"/>
           </a:p>
@@ -3514,7 +3771,7 @@
           <a:bodyPr/>
           <a:lstStyle/>
           <a:p>
-            <a:endParaRPr lang="en-US"/>
+            <a:endParaRPr lang="en-US" dirty="0"/>
           </a:p>
         </p:txBody>
       </p:sp>
@@ -3732,9 +3989,9 @@
           <a:bodyPr/>
           <a:lstStyle/>
           <a:p>
-            <a:fld id="{F96F1ACE-5097-4ACE-A175-CDB745D30BEF}" type="datetime1">
+            <a:fld id="{35F2896A-4AA5-4C57-9446-106C6E8B15FF}" type="datetime1">
               <a:rPr lang="en-US" smtClean="0"/>
-              <a:t>11/8/2019</a:t>
+              <a:t>11/11/2019</a:t>
             </a:fld>
             <a:endParaRPr lang="en-US"/>
           </a:p>
@@ -3957,9 +4214,9 @@
           <a:bodyPr/>
           <a:lstStyle/>
           <a:p>
-            <a:fld id="{45A2F0C3-4A92-4EE5-8B54-A5AF7BCE5789}" type="datetime1">
+            <a:fld id="{66338A78-6B3A-47E7-9DFC-B160AEA4658E}" type="datetime1">
               <a:rPr lang="en-US" smtClean="0"/>
-              <a:t>11/8/2019</a:t>
+              <a:t>11/11/2019</a:t>
             </a:fld>
             <a:endParaRPr lang="en-US"/>
           </a:p>
@@ -4323,9 +4580,9 @@
           <a:bodyPr/>
           <a:lstStyle/>
           <a:p>
-            <a:fld id="{EDF824C6-5C7A-4F5C-92F4-AD7D19C2051A}" type="datetime1">
+            <a:fld id="{EB83686B-59B8-460A-B54F-29103C77D3EC}" type="datetime1">
               <a:rPr lang="en-US" smtClean="0"/>
-              <a:t>11/8/2019</a:t>
+              <a:t>11/11/2019</a:t>
             </a:fld>
             <a:endParaRPr lang="en-US"/>
           </a:p>
@@ -4441,9 +4698,9 @@
           <a:bodyPr/>
           <a:lstStyle/>
           <a:p>
-            <a:fld id="{BCD7B128-4B0D-498D-9310-8C5400B692EF}" type="datetime1">
+            <a:fld id="{9075F660-9A6E-4DF6-B12F-5B20F78396DF}" type="datetime1">
               <a:rPr lang="en-US" smtClean="0"/>
-              <a:t>11/8/2019</a:t>
+              <a:t>11/11/2019</a:t>
             </a:fld>
             <a:endParaRPr lang="en-US"/>
           </a:p>
@@ -4532,9 +4789,9 @@
           <a:bodyPr/>
           <a:lstStyle/>
           <a:p>
-            <a:fld id="{332230DE-C891-4779-9DE1-32A3E1250CF2}" type="datetime1">
+            <a:fld id="{805A9ED9-4690-49CD-B098-97019DEBBF1E}" type="datetime1">
               <a:rPr lang="en-US" smtClean="0"/>
-              <a:t>11/8/2019</a:t>
+              <a:t>11/11/2019</a:t>
             </a:fld>
             <a:endParaRPr lang="en-US"/>
           </a:p>
@@ -4781,9 +5038,9 @@
           <a:bodyPr/>
           <a:lstStyle/>
           <a:p>
-            <a:fld id="{BEDADA3C-2671-45F2-A32A-13E50C0E8792}" type="datetime1">
+            <a:fld id="{17A1625C-BF40-4A33-BA63-EB5928C96896}" type="datetime1">
               <a:rPr lang="en-US" smtClean="0"/>
-              <a:t>11/8/2019</a:t>
+              <a:t>11/11/2019</a:t>
             </a:fld>
             <a:endParaRPr lang="en-US"/>
           </a:p>
@@ -5080,9 +5337,9 @@
           <a:bodyPr/>
           <a:lstStyle/>
           <a:p>
-            <a:fld id="{0DE102AC-799D-4093-A078-B5081EC322A3}" type="datetime1">
+            <a:fld id="{7DEBC29D-8D73-4718-99E7-8657E65010CC}" type="datetime1">
               <a:rPr lang="en-US" smtClean="0"/>
-              <a:t>11/8/2019</a:t>
+              <a:t>11/11/2019</a:t>
             </a:fld>
             <a:endParaRPr lang="en-US"/>
           </a:p>
@@ -5708,35 +5965,35 @@
           <a:p>
             <a:pPr lvl="0"/>
             <a:r>
-              <a:rPr lang="en-US"/>
+              <a:rPr lang="en-US" dirty="0"/>
               <a:t>Edit Master text styles</a:t>
             </a:r>
           </a:p>
           <a:p>
             <a:pPr lvl="1"/>
             <a:r>
-              <a:rPr lang="en-US"/>
+              <a:rPr lang="en-US" dirty="0"/>
               <a:t>Second level</a:t>
             </a:r>
           </a:p>
           <a:p>
             <a:pPr lvl="2"/>
             <a:r>
-              <a:rPr lang="en-US"/>
+              <a:rPr lang="en-US" dirty="0"/>
               <a:t>Third level</a:t>
             </a:r>
           </a:p>
           <a:p>
             <a:pPr lvl="3"/>
             <a:r>
-              <a:rPr lang="en-US"/>
+              <a:rPr lang="en-US" dirty="0"/>
               <a:t>Fourth level</a:t>
             </a:r>
           </a:p>
           <a:p>
             <a:pPr lvl="4"/>
             <a:r>
-              <a:rPr lang="en-US"/>
+              <a:rPr lang="en-US" dirty="0"/>
               <a:t>Fifth level</a:t>
             </a:r>
           </a:p>
@@ -5775,9 +6032,9 @@
             </a:lvl1pPr>
           </a:lstStyle>
           <a:p>
-            <a:fld id="{9EE1836C-445C-4904-808F-63F31B3C3F3C}" type="datetime1">
+            <a:fld id="{C8C14483-1730-4CCA-98CE-9A381FAE600F}" type="datetime1">
               <a:rPr lang="en-US" smtClean="0"/>
-              <a:t>11/8/2019</a:t>
+              <a:t>11/11/2019</a:t>
             </a:fld>
             <a:endParaRPr lang="en-US"/>
           </a:p>
@@ -5843,7 +6100,7 @@
           <a:bodyPr vert="horz" lIns="91440" tIns="45720" rIns="91440" bIns="45720" rtlCol="0" anchor="ctr"/>
           <a:lstStyle>
             <a:lvl1pPr algn="r">
-              <a:defRPr sz="900">
+              <a:defRPr sz="1400">
                 <a:solidFill>
                   <a:schemeClr val="accent1"/>
                 </a:solidFill>
@@ -5852,11 +6109,11 @@
           </a:lstStyle>
           <a:p>
             <a:fld id="{D57F1E4F-1CFF-5643-939E-217C01CDF565}" type="slidenum">
-              <a:rPr lang="en-US" dirty="0"/>
+              <a:rPr lang="en-US" smtClean="0"/>
               <a:pPr/>
               <a:t>‹#›</a:t>
             </a:fld>
-            <a:endParaRPr lang="en-US"/>
+            <a:endParaRPr lang="en-US" dirty="0"/>
           </a:p>
         </p:txBody>
       </p:sp>
@@ -6351,6 +6608,1096 @@
 </p:sld>
 </file>
 
+<file path=ppt/slides/slide10.xml><?xml version="1.0" encoding="utf-8"?>
+<p:sld xmlns:a="http://schemas.openxmlformats.org/drawingml/2006/main" xmlns:r="http://schemas.openxmlformats.org/officeDocument/2006/relationships" xmlns:p="http://schemas.openxmlformats.org/presentationml/2006/main">
+  <p:cSld>
+    <p:spTree>
+      <p:nvGrpSpPr>
+        <p:cNvPr id="1" name=""/>
+        <p:cNvGrpSpPr/>
+        <p:nvPr/>
+      </p:nvGrpSpPr>
+      <p:grpSpPr>
+        <a:xfrm>
+          <a:off x="0" y="0"/>
+          <a:ext cx="0" cy="0"/>
+          <a:chOff x="0" y="0"/>
+          <a:chExt cx="0" cy="0"/>
+        </a:xfrm>
+      </p:grpSpPr>
+      <p:sp>
+        <p:nvSpPr>
+          <p:cNvPr id="2" name="Title 1">
+            <a:extLst>
+              <a:ext uri="{FF2B5EF4-FFF2-40B4-BE49-F238E27FC236}">
+                <a16:creationId xmlns:a16="http://schemas.microsoft.com/office/drawing/2014/main" id="{4B27EB5E-D4FF-48D4-8920-5A742118B292}"/>
+              </a:ext>
+            </a:extLst>
+          </p:cNvPr>
+          <p:cNvSpPr>
+            <a:spLocks noGrp="1"/>
+          </p:cNvSpPr>
+          <p:nvPr>
+            <p:ph type="title"/>
+          </p:nvPr>
+        </p:nvSpPr>
+        <p:spPr/>
+        <p:txBody>
+          <a:bodyPr/>
+          <a:lstStyle/>
+          <a:p>
+            <a:r>
+              <a:rPr lang="en-US" b="1" dirty="0"/>
+              <a:t>Conclusions and Future Work</a:t>
+            </a:r>
+            <a:endParaRPr lang="en-US" dirty="0"/>
+          </a:p>
+        </p:txBody>
+      </p:sp>
+      <p:sp>
+        <p:nvSpPr>
+          <p:cNvPr id="4" name="Content Placeholder 3">
+            <a:extLst>
+              <a:ext uri="{FF2B5EF4-FFF2-40B4-BE49-F238E27FC236}">
+                <a16:creationId xmlns:a16="http://schemas.microsoft.com/office/drawing/2014/main" id="{A6B6AFB3-D7D5-44EC-A312-CD08B1EBA93D}"/>
+              </a:ext>
+            </a:extLst>
+          </p:cNvPr>
+          <p:cNvSpPr>
+            <a:spLocks noGrp="1"/>
+          </p:cNvSpPr>
+          <p:nvPr>
+            <p:ph idx="1"/>
+          </p:nvPr>
+        </p:nvSpPr>
+        <p:spPr>
+          <a:xfrm>
+            <a:off x="677334" y="1606731"/>
+            <a:ext cx="8596668" cy="5159829"/>
+          </a:xfrm>
+        </p:spPr>
+        <p:txBody>
+          <a:bodyPr>
+            <a:normAutofit/>
+          </a:bodyPr>
+          <a:lstStyle/>
+          <a:p>
+            <a:pPr marL="0" indent="0">
+              <a:buNone/>
+            </a:pPr>
+            <a:r>
+              <a:rPr lang="en-US" dirty="0"/>
+              <a:t>Future improvements to investigate further:</a:t>
+            </a:r>
+          </a:p>
+          <a:p>
+            <a:r>
+              <a:rPr lang="en-US" dirty="0"/>
+              <a:t>1) Beam Search as an approximate search (often works better than the greedy approach)</a:t>
+            </a:r>
+          </a:p>
+          <a:p>
+            <a:endParaRPr lang="en-US" dirty="0"/>
+          </a:p>
+          <a:p>
+            <a:r>
+              <a:rPr lang="en-US" dirty="0"/>
+              <a:t>2) Implement other models like attention based model ( [7] - Show, Attend and Tell: Neural Image Caption Generation with Visual Attention), which introduces a visual attention mechanism based on the Encoder-Decoder structure, which can dynamically focus on the salient regions of the image during the process of generating descriptions in Decoder.</a:t>
+            </a:r>
+          </a:p>
+          <a:p>
+            <a:endParaRPr lang="en-US" dirty="0"/>
+          </a:p>
+          <a:p>
+            <a:r>
+              <a:rPr lang="en-US" dirty="0"/>
+              <a:t>3) Researchers have also proposed various efficient improvement methods, but they have different focuses.</a:t>
+            </a:r>
+          </a:p>
+        </p:txBody>
+      </p:sp>
+      <p:sp>
+        <p:nvSpPr>
+          <p:cNvPr id="5" name="Slide Number Placeholder 4">
+            <a:extLst>
+              <a:ext uri="{FF2B5EF4-FFF2-40B4-BE49-F238E27FC236}">
+                <a16:creationId xmlns:a16="http://schemas.microsoft.com/office/drawing/2014/main" id="{32C996D1-0CBC-4BFE-9F8D-C1024333B8A0}"/>
+              </a:ext>
+            </a:extLst>
+          </p:cNvPr>
+          <p:cNvSpPr>
+            <a:spLocks noGrp="1"/>
+          </p:cNvSpPr>
+          <p:nvPr>
+            <p:ph type="sldNum" sz="quarter" idx="12"/>
+          </p:nvPr>
+        </p:nvSpPr>
+        <p:spPr/>
+        <p:txBody>
+          <a:bodyPr/>
+          <a:lstStyle/>
+          <a:p>
+            <a:fld id="{519954A3-9DFD-4C44-94BA-B95130A3BA1C}" type="slidenum">
+              <a:rPr lang="en-US" smtClean="0"/>
+              <a:t>10</a:t>
+            </a:fld>
+            <a:endParaRPr lang="en-US"/>
+          </a:p>
+        </p:txBody>
+      </p:sp>
+    </p:spTree>
+    <p:extLst>
+      <p:ext uri="{BB962C8B-B14F-4D97-AF65-F5344CB8AC3E}">
+        <p14:creationId xmlns:p14="http://schemas.microsoft.com/office/powerpoint/2010/main" val="2211167120"/>
+      </p:ext>
+    </p:extLst>
+  </p:cSld>
+  <p:clrMapOvr>
+    <a:masterClrMapping/>
+  </p:clrMapOvr>
+</p:sld>
+</file>
+
+<file path=ppt/slides/slide11.xml><?xml version="1.0" encoding="utf-8"?>
+<p:sld xmlns:a="http://schemas.openxmlformats.org/drawingml/2006/main" xmlns:r="http://schemas.openxmlformats.org/officeDocument/2006/relationships" xmlns:p="http://schemas.openxmlformats.org/presentationml/2006/main">
+  <p:cSld>
+    <p:spTree>
+      <p:nvGrpSpPr>
+        <p:cNvPr id="1" name=""/>
+        <p:cNvGrpSpPr/>
+        <p:nvPr/>
+      </p:nvGrpSpPr>
+      <p:grpSpPr>
+        <a:xfrm>
+          <a:off x="0" y="0"/>
+          <a:ext cx="0" cy="0"/>
+          <a:chOff x="0" y="0"/>
+          <a:chExt cx="0" cy="0"/>
+        </a:xfrm>
+      </p:grpSpPr>
+      <p:sp>
+        <p:nvSpPr>
+          <p:cNvPr id="2" name="Title 1">
+            <a:extLst>
+              <a:ext uri="{FF2B5EF4-FFF2-40B4-BE49-F238E27FC236}">
+                <a16:creationId xmlns:a16="http://schemas.microsoft.com/office/drawing/2014/main" id="{4B27EB5E-D4FF-48D4-8920-5A742118B292}"/>
+              </a:ext>
+            </a:extLst>
+          </p:cNvPr>
+          <p:cNvSpPr>
+            <a:spLocks noGrp="1"/>
+          </p:cNvSpPr>
+          <p:nvPr>
+            <p:ph type="title"/>
+          </p:nvPr>
+        </p:nvSpPr>
+        <p:spPr/>
+        <p:txBody>
+          <a:bodyPr/>
+          <a:lstStyle/>
+          <a:p>
+            <a:r>
+              <a:rPr lang="en-US" b="1" dirty="0"/>
+              <a:t>Conclusions and Future Work</a:t>
+            </a:r>
+            <a:endParaRPr lang="en-US" dirty="0"/>
+          </a:p>
+        </p:txBody>
+      </p:sp>
+      <p:sp>
+        <p:nvSpPr>
+          <p:cNvPr id="4" name="Content Placeholder 3">
+            <a:extLst>
+              <a:ext uri="{FF2B5EF4-FFF2-40B4-BE49-F238E27FC236}">
+                <a16:creationId xmlns:a16="http://schemas.microsoft.com/office/drawing/2014/main" id="{A6B6AFB3-D7D5-44EC-A312-CD08B1EBA93D}"/>
+              </a:ext>
+            </a:extLst>
+          </p:cNvPr>
+          <p:cNvSpPr>
+            <a:spLocks noGrp="1"/>
+          </p:cNvSpPr>
+          <p:nvPr>
+            <p:ph idx="1"/>
+          </p:nvPr>
+        </p:nvSpPr>
+        <p:spPr>
+          <a:xfrm>
+            <a:off x="677334" y="1606731"/>
+            <a:ext cx="8596668" cy="5159829"/>
+          </a:xfrm>
+        </p:spPr>
+        <p:txBody>
+          <a:bodyPr>
+            <a:normAutofit fontScale="92500" lnSpcReduction="20000"/>
+          </a:bodyPr>
+          <a:lstStyle/>
+          <a:p>
+            <a:pPr marL="0" indent="0">
+              <a:buNone/>
+            </a:pPr>
+            <a:r>
+              <a:rPr lang="en-US" b="1" dirty="0"/>
+              <a:t>Improvements in Encoder</a:t>
+            </a:r>
+            <a:r>
+              <a:rPr lang="en-US" dirty="0"/>
+              <a:t>: [10] You et al., proposes a semantic attention model, in addition to using CNN’s intermediate activation output as the global feature of the image v, and also using a set of attribute detectors to extract {Ai} the most likely to appear in the image. </a:t>
+            </a:r>
+          </a:p>
+          <a:p>
+            <a:pPr marL="0" indent="0">
+              <a:buNone/>
+            </a:pPr>
+            <a:r>
+              <a:rPr lang="en-US" dirty="0"/>
+              <a:t>[11] Fu et al., introduced advanced semantic information to improve  image description based on attention.</a:t>
+            </a:r>
+          </a:p>
+          <a:p>
+            <a:pPr marL="0" indent="0">
+              <a:buNone/>
+            </a:pPr>
+            <a:r>
+              <a:rPr lang="en-US" dirty="0"/>
+              <a:t>[12] Yao et al., believes that the semantic relationship and spatial 			   relationship between image objects are helpful for image description 			   generation. </a:t>
+            </a:r>
+          </a:p>
+          <a:p>
+            <a:pPr marL="0" indent="0">
+              <a:buNone/>
+            </a:pPr>
+            <a:r>
+              <a:rPr lang="en-US" b="1" dirty="0"/>
+              <a:t>Improvements in Decoder: </a:t>
+            </a:r>
+            <a:r>
+              <a:rPr lang="en-US" dirty="0"/>
+              <a:t>[13] Lu et al., believes that in the process of generating image description, visual attention should not be added to nonvisual words such as prepositions and quantifiers.</a:t>
+            </a:r>
+          </a:p>
+          <a:p>
+            <a:pPr marL="0" indent="0">
+              <a:buNone/>
+            </a:pPr>
+            <a:r>
+              <a:rPr lang="en-US" dirty="0"/>
+              <a:t>[14] Zhou et al., pointed out that in previous work, image features are only initially          fed into LSTM, or on the basis of which attention mechanism is introduced to compute context vectors to input LSTM. Whether text context could be used to improve image description performance has not been solved yet, that is, the relationship between generated words and visual information was not involved. To explore this problem, they proposed a Text-Conditional attention mechanism, which allows attention to focus on image features related to previously generated words</a:t>
+            </a:r>
+          </a:p>
+          <a:p>
+            <a:pPr marL="0" indent="0">
+              <a:buNone/>
+            </a:pPr>
+            <a:r>
+              <a:rPr lang="en-US" dirty="0"/>
+              <a:t>		</a:t>
+            </a:r>
+          </a:p>
+        </p:txBody>
+      </p:sp>
+      <p:sp>
+        <p:nvSpPr>
+          <p:cNvPr id="5" name="Slide Number Placeholder 4">
+            <a:extLst>
+              <a:ext uri="{FF2B5EF4-FFF2-40B4-BE49-F238E27FC236}">
+                <a16:creationId xmlns:a16="http://schemas.microsoft.com/office/drawing/2014/main" id="{32C996D1-0CBC-4BFE-9F8D-C1024333B8A0}"/>
+              </a:ext>
+            </a:extLst>
+          </p:cNvPr>
+          <p:cNvSpPr>
+            <a:spLocks noGrp="1"/>
+          </p:cNvSpPr>
+          <p:nvPr>
+            <p:ph type="sldNum" sz="quarter" idx="12"/>
+          </p:nvPr>
+        </p:nvSpPr>
+        <p:spPr/>
+        <p:txBody>
+          <a:bodyPr/>
+          <a:lstStyle/>
+          <a:p>
+            <a:fld id="{519954A3-9DFD-4C44-94BA-B95130A3BA1C}" type="slidenum">
+              <a:rPr lang="en-US" smtClean="0"/>
+              <a:t>11</a:t>
+            </a:fld>
+            <a:endParaRPr lang="en-US"/>
+          </a:p>
+        </p:txBody>
+      </p:sp>
+    </p:spTree>
+    <p:extLst>
+      <p:ext uri="{BB962C8B-B14F-4D97-AF65-F5344CB8AC3E}">
+        <p14:creationId xmlns:p14="http://schemas.microsoft.com/office/powerpoint/2010/main" val="1753770662"/>
+      </p:ext>
+    </p:extLst>
+  </p:cSld>
+  <p:clrMapOvr>
+    <a:masterClrMapping/>
+  </p:clrMapOvr>
+</p:sld>
+</file>
+
+<file path=ppt/slides/slide12.xml><?xml version="1.0" encoding="utf-8"?>
+<p:sld xmlns:a="http://schemas.openxmlformats.org/drawingml/2006/main" xmlns:r="http://schemas.openxmlformats.org/officeDocument/2006/relationships" xmlns:p="http://schemas.openxmlformats.org/presentationml/2006/main">
+  <p:cSld>
+    <p:spTree>
+      <p:nvGrpSpPr>
+        <p:cNvPr id="1" name=""/>
+        <p:cNvGrpSpPr/>
+        <p:nvPr/>
+      </p:nvGrpSpPr>
+      <p:grpSpPr>
+        <a:xfrm>
+          <a:off x="0" y="0"/>
+          <a:ext cx="0" cy="0"/>
+          <a:chOff x="0" y="0"/>
+          <a:chExt cx="0" cy="0"/>
+        </a:xfrm>
+      </p:grpSpPr>
+      <p:sp>
+        <p:nvSpPr>
+          <p:cNvPr id="2" name="Title 1">
+            <a:extLst>
+              <a:ext uri="{FF2B5EF4-FFF2-40B4-BE49-F238E27FC236}">
+                <a16:creationId xmlns:a16="http://schemas.microsoft.com/office/drawing/2014/main" id="{4B27EB5E-D4FF-48D4-8920-5A742118B292}"/>
+              </a:ext>
+            </a:extLst>
+          </p:cNvPr>
+          <p:cNvSpPr>
+            <a:spLocks noGrp="1"/>
+          </p:cNvSpPr>
+          <p:nvPr>
+            <p:ph type="title"/>
+          </p:nvPr>
+        </p:nvSpPr>
+        <p:spPr/>
+        <p:txBody>
+          <a:bodyPr/>
+          <a:lstStyle/>
+          <a:p>
+            <a:r>
+              <a:rPr lang="en-US" dirty="0"/>
+              <a:t>Recommendations to the Client</a:t>
+            </a:r>
+          </a:p>
+        </p:txBody>
+      </p:sp>
+      <p:sp>
+        <p:nvSpPr>
+          <p:cNvPr id="4" name="Content Placeholder 3">
+            <a:extLst>
+              <a:ext uri="{FF2B5EF4-FFF2-40B4-BE49-F238E27FC236}">
+                <a16:creationId xmlns:a16="http://schemas.microsoft.com/office/drawing/2014/main" id="{A6B6AFB3-D7D5-44EC-A312-CD08B1EBA93D}"/>
+              </a:ext>
+            </a:extLst>
+          </p:cNvPr>
+          <p:cNvSpPr>
+            <a:spLocks noGrp="1"/>
+          </p:cNvSpPr>
+          <p:nvPr>
+            <p:ph idx="1"/>
+          </p:nvPr>
+        </p:nvSpPr>
+        <p:spPr>
+          <a:xfrm>
+            <a:off x="677334" y="1606731"/>
+            <a:ext cx="8596668" cy="5159829"/>
+          </a:xfrm>
+        </p:spPr>
+        <p:txBody>
+          <a:bodyPr>
+            <a:normAutofit/>
+          </a:bodyPr>
+          <a:lstStyle/>
+          <a:p>
+            <a:pPr marL="0" indent="0">
+              <a:buNone/>
+            </a:pPr>
+            <a:r>
+              <a:rPr lang="en-US" dirty="0"/>
+              <a:t>Facebook can use Image captioning functionality to automatically generate captions for photos in the News Feed of people who can't see them. This can be used with text-to-speech engines that allow blind people to use Facebook in other ways</a:t>
+            </a:r>
+          </a:p>
+          <a:p>
+            <a:pPr marL="0" indent="0">
+              <a:buNone/>
+            </a:pPr>
+            <a:endParaRPr lang="en-US" dirty="0"/>
+          </a:p>
+          <a:p>
+            <a:pPr marL="0" indent="0">
+              <a:buNone/>
+            </a:pPr>
+            <a:r>
+              <a:rPr lang="en-US" dirty="0"/>
+              <a:t>Image based web content can be made more accessible to the users by using Image Captioning to provide descriptions of the Images. Information from the visual content found in the image can be used to further analyze the image with tagging, domain-specific models, and descriptions in other languages. </a:t>
+            </a:r>
+          </a:p>
+          <a:p>
+            <a:pPr marL="0" indent="0">
+              <a:buNone/>
+            </a:pPr>
+            <a:r>
+              <a:rPr lang="en-US" dirty="0"/>
+              <a:t>For example: Recognize brands, celebrities and landmarks</a:t>
+            </a:r>
+          </a:p>
+          <a:p>
+            <a:pPr marL="0" indent="0">
+              <a:buNone/>
+            </a:pPr>
+            <a:endParaRPr lang="en-US" dirty="0"/>
+          </a:p>
+          <a:p>
+            <a:pPr marL="0" indent="0">
+              <a:buNone/>
+            </a:pPr>
+            <a:r>
+              <a:rPr lang="en-US" dirty="0"/>
+              <a:t>Image Captioning can be used to describe Videos in real time.</a:t>
+            </a:r>
+          </a:p>
+        </p:txBody>
+      </p:sp>
+      <p:sp>
+        <p:nvSpPr>
+          <p:cNvPr id="5" name="Slide Number Placeholder 4">
+            <a:extLst>
+              <a:ext uri="{FF2B5EF4-FFF2-40B4-BE49-F238E27FC236}">
+                <a16:creationId xmlns:a16="http://schemas.microsoft.com/office/drawing/2014/main" id="{32C996D1-0CBC-4BFE-9F8D-C1024333B8A0}"/>
+              </a:ext>
+            </a:extLst>
+          </p:cNvPr>
+          <p:cNvSpPr>
+            <a:spLocks noGrp="1"/>
+          </p:cNvSpPr>
+          <p:nvPr>
+            <p:ph type="sldNum" sz="quarter" idx="12"/>
+          </p:nvPr>
+        </p:nvSpPr>
+        <p:spPr/>
+        <p:txBody>
+          <a:bodyPr/>
+          <a:lstStyle/>
+          <a:p>
+            <a:fld id="{519954A3-9DFD-4C44-94BA-B95130A3BA1C}" type="slidenum">
+              <a:rPr lang="en-US" smtClean="0"/>
+              <a:t>12</a:t>
+            </a:fld>
+            <a:endParaRPr lang="en-US"/>
+          </a:p>
+        </p:txBody>
+      </p:sp>
+    </p:spTree>
+    <p:extLst>
+      <p:ext uri="{BB962C8B-B14F-4D97-AF65-F5344CB8AC3E}">
+        <p14:creationId xmlns:p14="http://schemas.microsoft.com/office/powerpoint/2010/main" val="811417787"/>
+      </p:ext>
+    </p:extLst>
+  </p:cSld>
+  <p:clrMapOvr>
+    <a:masterClrMapping/>
+  </p:clrMapOvr>
+</p:sld>
+</file>
+
+<file path=ppt/slides/slide13.xml><?xml version="1.0" encoding="utf-8"?>
+<p:sld xmlns:a="http://schemas.openxmlformats.org/drawingml/2006/main" xmlns:r="http://schemas.openxmlformats.org/officeDocument/2006/relationships" xmlns:p="http://schemas.openxmlformats.org/presentationml/2006/main">
+  <p:cSld>
+    <p:spTree>
+      <p:nvGrpSpPr>
+        <p:cNvPr id="1" name=""/>
+        <p:cNvGrpSpPr/>
+        <p:nvPr/>
+      </p:nvGrpSpPr>
+      <p:grpSpPr>
+        <a:xfrm>
+          <a:off x="0" y="0"/>
+          <a:ext cx="0" cy="0"/>
+          <a:chOff x="0" y="0"/>
+          <a:chExt cx="0" cy="0"/>
+        </a:xfrm>
+      </p:grpSpPr>
+      <p:sp>
+        <p:nvSpPr>
+          <p:cNvPr id="2" name="Title 1">
+            <a:extLst>
+              <a:ext uri="{FF2B5EF4-FFF2-40B4-BE49-F238E27FC236}">
+                <a16:creationId xmlns:a16="http://schemas.microsoft.com/office/drawing/2014/main" id="{4B27EB5E-D4FF-48D4-8920-5A742118B292}"/>
+              </a:ext>
+            </a:extLst>
+          </p:cNvPr>
+          <p:cNvSpPr>
+            <a:spLocks noGrp="1"/>
+          </p:cNvSpPr>
+          <p:nvPr>
+            <p:ph type="title"/>
+          </p:nvPr>
+        </p:nvSpPr>
+        <p:spPr/>
+        <p:txBody>
+          <a:bodyPr/>
+          <a:lstStyle/>
+          <a:p>
+            <a:r>
+              <a:rPr lang="en-US" dirty="0"/>
+              <a:t>References</a:t>
+            </a:r>
+          </a:p>
+        </p:txBody>
+      </p:sp>
+      <p:sp>
+        <p:nvSpPr>
+          <p:cNvPr id="4" name="Content Placeholder 3">
+            <a:extLst>
+              <a:ext uri="{FF2B5EF4-FFF2-40B4-BE49-F238E27FC236}">
+                <a16:creationId xmlns:a16="http://schemas.microsoft.com/office/drawing/2014/main" id="{A6B6AFB3-D7D5-44EC-A312-CD08B1EBA93D}"/>
+              </a:ext>
+            </a:extLst>
+          </p:cNvPr>
+          <p:cNvSpPr>
+            <a:spLocks noGrp="1"/>
+          </p:cNvSpPr>
+          <p:nvPr>
+            <p:ph idx="1"/>
+          </p:nvPr>
+        </p:nvSpPr>
+        <p:spPr>
+          <a:xfrm>
+            <a:off x="677334" y="1606731"/>
+            <a:ext cx="8596668" cy="5159829"/>
+          </a:xfrm>
+        </p:spPr>
+        <p:txBody>
+          <a:bodyPr>
+            <a:normAutofit fontScale="92500" lnSpcReduction="20000"/>
+          </a:bodyPr>
+          <a:lstStyle/>
+          <a:p>
+            <a:pPr marL="0" indent="0">
+              <a:buNone/>
+            </a:pPr>
+            <a:r>
+              <a:rPr lang="en-US" dirty="0"/>
+              <a:t>[1] Tsung-Yi Lin, Michael Maire, Serge </a:t>
+            </a:r>
+            <a:r>
+              <a:rPr lang="en-US" dirty="0" err="1"/>
+              <a:t>Belongie</a:t>
+            </a:r>
+            <a:r>
+              <a:rPr lang="en-US" dirty="0"/>
+              <a:t>, James Hays, Pietro </a:t>
+            </a:r>
+            <a:r>
+              <a:rPr lang="en-US" dirty="0" err="1"/>
+              <a:t>Perona</a:t>
+            </a:r>
+            <a:r>
+              <a:rPr lang="en-US" dirty="0"/>
+              <a:t>, Deva Ramanan, Piotr </a:t>
+            </a:r>
+            <a:r>
+              <a:rPr lang="en-US" dirty="0" err="1"/>
+              <a:t>DollÃąr</a:t>
+            </a:r>
+            <a:r>
+              <a:rPr lang="en-US" dirty="0"/>
+              <a:t>, and C Lawrence </a:t>
+            </a:r>
+            <a:r>
+              <a:rPr lang="en-US" dirty="0" err="1"/>
+              <a:t>Zitnick</a:t>
+            </a:r>
+            <a:r>
+              <a:rPr lang="en-US" dirty="0"/>
+              <a:t>. 2014. Microsoft coco: Common objects in context. In European conference on computer vision. Springer, 740–755.</a:t>
+            </a:r>
+          </a:p>
+          <a:p>
+            <a:pPr marL="0" indent="0">
+              <a:buNone/>
+            </a:pPr>
+            <a:r>
+              <a:rPr lang="en-US" dirty="0"/>
+              <a:t>[2] Qi Wu, </a:t>
+            </a:r>
+            <a:r>
+              <a:rPr lang="en-US" dirty="0" err="1"/>
+              <a:t>Chunhua</a:t>
+            </a:r>
+            <a:r>
+              <a:rPr lang="en-US" dirty="0"/>
+              <a:t> Shen, Anton van den </a:t>
+            </a:r>
+            <a:r>
+              <a:rPr lang="en-US" dirty="0" err="1"/>
+              <a:t>Hengel</a:t>
+            </a:r>
+            <a:r>
+              <a:rPr lang="en-US" dirty="0"/>
+              <a:t>, </a:t>
+            </a:r>
+            <a:r>
+              <a:rPr lang="en-US" dirty="0" err="1"/>
+              <a:t>Lingqiao</a:t>
+            </a:r>
+            <a:r>
+              <a:rPr lang="en-US" dirty="0"/>
+              <a:t> Liu, and Anthony Dick. 2015. Image captioning with an intermediate attributes layer. </a:t>
+            </a:r>
+            <a:r>
+              <a:rPr lang="en-US" dirty="0" err="1"/>
+              <a:t>arXiv</a:t>
+            </a:r>
+            <a:r>
+              <a:rPr lang="en-US" dirty="0"/>
+              <a:t> preprint arXiv:1506.01144 (2015)</a:t>
+            </a:r>
+          </a:p>
+          <a:p>
+            <a:pPr marL="0" indent="0">
+              <a:buNone/>
+            </a:pPr>
+            <a:r>
+              <a:rPr lang="en-US" dirty="0"/>
+              <a:t>[3] Oriol </a:t>
+            </a:r>
+            <a:r>
+              <a:rPr lang="en-US" dirty="0" err="1"/>
+              <a:t>Vinyals</a:t>
+            </a:r>
+            <a:r>
+              <a:rPr lang="en-US" dirty="0"/>
+              <a:t>, Alexander </a:t>
+            </a:r>
+            <a:r>
+              <a:rPr lang="en-US" dirty="0" err="1"/>
+              <a:t>Toshev</a:t>
+            </a:r>
+            <a:r>
+              <a:rPr lang="en-US" dirty="0"/>
+              <a:t>, </a:t>
+            </a:r>
+            <a:r>
+              <a:rPr lang="en-US" dirty="0" err="1"/>
+              <a:t>Samy</a:t>
+            </a:r>
+            <a:r>
+              <a:rPr lang="en-US" dirty="0"/>
+              <a:t> </a:t>
+            </a:r>
+            <a:r>
+              <a:rPr lang="en-US" dirty="0" err="1"/>
+              <a:t>Bengio</a:t>
+            </a:r>
+            <a:r>
+              <a:rPr lang="en-US" dirty="0"/>
+              <a:t>, and Dumitru Erhan. 2015. Show and tell: A neural image caption generator. In Proceedings of the IEEE conference on computer vision and pattern recognition. 3156–3164.</a:t>
+            </a:r>
+          </a:p>
+          <a:p>
+            <a:pPr marL="0" indent="0">
+              <a:buNone/>
+            </a:pPr>
+            <a:r>
+              <a:rPr lang="en-US" dirty="0"/>
+              <a:t>[4] Hamid </a:t>
+            </a:r>
+            <a:r>
+              <a:rPr lang="en-US" dirty="0" err="1"/>
+              <a:t>Laga</a:t>
+            </a:r>
+            <a:r>
+              <a:rPr lang="en-US" dirty="0"/>
+              <a:t> ...et al. A Comprehensive Survey of Deep Learning for Image Captioning, 2018 (</a:t>
+            </a:r>
+            <a:r>
+              <a:rPr lang="en-US" u="sng" dirty="0">
+                <a:hlinkClick r:id="rId2"/>
+              </a:rPr>
+              <a:t>https://arxiv.org/abs/1810.04020</a:t>
+            </a:r>
+            <a:r>
+              <a:rPr lang="en-US" dirty="0"/>
+              <a:t>)</a:t>
+            </a:r>
+          </a:p>
+          <a:p>
+            <a:pPr marL="0" indent="0">
+              <a:buNone/>
+            </a:pPr>
+            <a:r>
+              <a:rPr lang="en-US" dirty="0"/>
+              <a:t>[5] Kishore </a:t>
+            </a:r>
+            <a:r>
+              <a:rPr lang="en-US" dirty="0" err="1"/>
+              <a:t>Papineni</a:t>
+            </a:r>
+            <a:r>
+              <a:rPr lang="en-US" dirty="0"/>
+              <a:t>, et al. BLEU: a Method for Automatic Evaluation of Machine Translation, 2002.</a:t>
+            </a:r>
+          </a:p>
+          <a:p>
+            <a:pPr marL="0" indent="0">
+              <a:buNone/>
+            </a:pPr>
+            <a:r>
+              <a:rPr lang="en-US" dirty="0"/>
+              <a:t>[6] Alfredo </a:t>
+            </a:r>
+            <a:r>
+              <a:rPr lang="en-US" dirty="0" err="1"/>
+              <a:t>Canziani</a:t>
+            </a:r>
+            <a:r>
+              <a:rPr lang="en-US" dirty="0"/>
+              <a:t> &amp; Eugenio </a:t>
+            </a:r>
+            <a:r>
+              <a:rPr lang="en-US" dirty="0" err="1"/>
+              <a:t>Culurciello</a:t>
+            </a:r>
+            <a:r>
+              <a:rPr lang="en-US" dirty="0"/>
+              <a:t>, Adam </a:t>
+            </a:r>
+            <a:r>
+              <a:rPr lang="en-US" dirty="0" err="1"/>
+              <a:t>Paszke,An</a:t>
+            </a:r>
+            <a:r>
+              <a:rPr lang="en-US" dirty="0"/>
+              <a:t> Analysis of Deep Neural Network Models for Practical Applications. 2018.</a:t>
+            </a:r>
+          </a:p>
+          <a:p>
+            <a:pPr marL="0" indent="0">
+              <a:buNone/>
+            </a:pPr>
+            <a:r>
+              <a:rPr lang="en-US" dirty="0"/>
+              <a:t>[7] Kelvin Xu, et al. Show, Attend and Tell: Neural Image Caption Generation with Visual Attention</a:t>
+            </a:r>
+          </a:p>
+          <a:p>
+            <a:pPr marL="0" indent="0">
+              <a:buNone/>
+            </a:pPr>
+            <a:r>
+              <a:rPr lang="en-US" dirty="0"/>
+              <a:t>[8] </a:t>
+            </a:r>
+            <a:r>
+              <a:rPr lang="en-US" dirty="0" err="1"/>
+              <a:t>Diederik</a:t>
+            </a:r>
+            <a:r>
+              <a:rPr lang="en-US" dirty="0"/>
+              <a:t> P. </a:t>
+            </a:r>
+            <a:r>
+              <a:rPr lang="en-US" dirty="0" err="1"/>
+              <a:t>Kingma</a:t>
+            </a:r>
+            <a:r>
+              <a:rPr lang="en-US" dirty="0"/>
+              <a:t>, Jimmy Ba. Adam: A Method for Stochastic Optimization</a:t>
+            </a:r>
+          </a:p>
+          <a:p>
+            <a:pPr marL="0" indent="0">
+              <a:buNone/>
+            </a:pPr>
+            <a:r>
+              <a:rPr lang="en-US" dirty="0"/>
+              <a:t>[9] Marc Tanti, et al. Where to put the Image in an Image Caption Generator</a:t>
+            </a:r>
+          </a:p>
+          <a:p>
+            <a:pPr marL="0" indent="0">
+              <a:buNone/>
+            </a:pPr>
+            <a:endParaRPr lang="en-US" dirty="0"/>
+          </a:p>
+        </p:txBody>
+      </p:sp>
+      <p:sp>
+        <p:nvSpPr>
+          <p:cNvPr id="5" name="Slide Number Placeholder 4">
+            <a:extLst>
+              <a:ext uri="{FF2B5EF4-FFF2-40B4-BE49-F238E27FC236}">
+                <a16:creationId xmlns:a16="http://schemas.microsoft.com/office/drawing/2014/main" id="{32C996D1-0CBC-4BFE-9F8D-C1024333B8A0}"/>
+              </a:ext>
+            </a:extLst>
+          </p:cNvPr>
+          <p:cNvSpPr>
+            <a:spLocks noGrp="1"/>
+          </p:cNvSpPr>
+          <p:nvPr>
+            <p:ph type="sldNum" sz="quarter" idx="12"/>
+          </p:nvPr>
+        </p:nvSpPr>
+        <p:spPr/>
+        <p:txBody>
+          <a:bodyPr/>
+          <a:lstStyle/>
+          <a:p>
+            <a:fld id="{519954A3-9DFD-4C44-94BA-B95130A3BA1C}" type="slidenum">
+              <a:rPr lang="en-US" smtClean="0"/>
+              <a:t>13</a:t>
+            </a:fld>
+            <a:endParaRPr lang="en-US"/>
+          </a:p>
+        </p:txBody>
+      </p:sp>
+    </p:spTree>
+    <p:extLst>
+      <p:ext uri="{BB962C8B-B14F-4D97-AF65-F5344CB8AC3E}">
+        <p14:creationId xmlns:p14="http://schemas.microsoft.com/office/powerpoint/2010/main" val="2487799348"/>
+      </p:ext>
+    </p:extLst>
+  </p:cSld>
+  <p:clrMapOvr>
+    <a:masterClrMapping/>
+  </p:clrMapOvr>
+</p:sld>
+</file>
+
+<file path=ppt/slides/slide14.xml><?xml version="1.0" encoding="utf-8"?>
+<p:sld xmlns:a="http://schemas.openxmlformats.org/drawingml/2006/main" xmlns:r="http://schemas.openxmlformats.org/officeDocument/2006/relationships" xmlns:p="http://schemas.openxmlformats.org/presentationml/2006/main">
+  <p:cSld>
+    <p:spTree>
+      <p:nvGrpSpPr>
+        <p:cNvPr id="1" name=""/>
+        <p:cNvGrpSpPr/>
+        <p:nvPr/>
+      </p:nvGrpSpPr>
+      <p:grpSpPr>
+        <a:xfrm>
+          <a:off x="0" y="0"/>
+          <a:ext cx="0" cy="0"/>
+          <a:chOff x="0" y="0"/>
+          <a:chExt cx="0" cy="0"/>
+        </a:xfrm>
+      </p:grpSpPr>
+      <p:sp>
+        <p:nvSpPr>
+          <p:cNvPr id="2" name="Title 1">
+            <a:extLst>
+              <a:ext uri="{FF2B5EF4-FFF2-40B4-BE49-F238E27FC236}">
+                <a16:creationId xmlns:a16="http://schemas.microsoft.com/office/drawing/2014/main" id="{4B27EB5E-D4FF-48D4-8920-5A742118B292}"/>
+              </a:ext>
+            </a:extLst>
+          </p:cNvPr>
+          <p:cNvSpPr>
+            <a:spLocks noGrp="1"/>
+          </p:cNvSpPr>
+          <p:nvPr>
+            <p:ph type="title"/>
+          </p:nvPr>
+        </p:nvSpPr>
+        <p:spPr/>
+        <p:txBody>
+          <a:bodyPr/>
+          <a:lstStyle/>
+          <a:p>
+            <a:r>
+              <a:rPr lang="en-US" dirty="0"/>
+              <a:t>References</a:t>
+            </a:r>
+          </a:p>
+        </p:txBody>
+      </p:sp>
+      <p:sp>
+        <p:nvSpPr>
+          <p:cNvPr id="4" name="Content Placeholder 3">
+            <a:extLst>
+              <a:ext uri="{FF2B5EF4-FFF2-40B4-BE49-F238E27FC236}">
+                <a16:creationId xmlns:a16="http://schemas.microsoft.com/office/drawing/2014/main" id="{A6B6AFB3-D7D5-44EC-A312-CD08B1EBA93D}"/>
+              </a:ext>
+            </a:extLst>
+          </p:cNvPr>
+          <p:cNvSpPr>
+            <a:spLocks noGrp="1"/>
+          </p:cNvSpPr>
+          <p:nvPr>
+            <p:ph idx="1"/>
+          </p:nvPr>
+        </p:nvSpPr>
+        <p:spPr>
+          <a:xfrm>
+            <a:off x="677334" y="1606731"/>
+            <a:ext cx="8596668" cy="5159829"/>
+          </a:xfrm>
+        </p:spPr>
+        <p:txBody>
+          <a:bodyPr>
+            <a:normAutofit/>
+          </a:bodyPr>
+          <a:lstStyle/>
+          <a:p>
+            <a:pPr marL="0" indent="0">
+              <a:buNone/>
+            </a:pPr>
+            <a:r>
+              <a:rPr lang="en-US" dirty="0"/>
+              <a:t>[10] Q. You, H. </a:t>
+            </a:r>
+            <a:r>
+              <a:rPr lang="en-US" dirty="0" err="1"/>
+              <a:t>Jin</a:t>
+            </a:r>
+            <a:r>
+              <a:rPr lang="en-US" dirty="0"/>
+              <a:t>, Z. Wang, C. Fang, and J. Luo. Image captioning with semantic attention. In CVPR, pages 4651–4659, 2016.</a:t>
+            </a:r>
+          </a:p>
+          <a:p>
+            <a:pPr marL="0" indent="0">
+              <a:buNone/>
+            </a:pPr>
+            <a:r>
+              <a:rPr lang="en-US" dirty="0"/>
+              <a:t>[11] K. Fu, J. </a:t>
+            </a:r>
+            <a:r>
+              <a:rPr lang="en-US" dirty="0" err="1"/>
+              <a:t>Jin</a:t>
+            </a:r>
+            <a:r>
+              <a:rPr lang="en-US" dirty="0"/>
+              <a:t>, R. Cui, F. Sha, and C. Zhang. Aligning where to see and what to tell: Image captioning with region-based attention and scene-specific contexts. IEEE Trans. Pattern Anal. Mach. </a:t>
+            </a:r>
+            <a:r>
+              <a:rPr lang="en-US" dirty="0" err="1"/>
+              <a:t>Intell</a:t>
+            </a:r>
+            <a:r>
+              <a:rPr lang="en-US" dirty="0"/>
+              <a:t>., 39(12):2321– 2334, 2017.</a:t>
+            </a:r>
+          </a:p>
+          <a:p>
+            <a:pPr marL="0" indent="0">
+              <a:buNone/>
+            </a:pPr>
+            <a:r>
+              <a:rPr lang="en-US" dirty="0"/>
+              <a:t>[12] T. Yao, Y. Pan, Y. Li, and T. Mei. Exploring visual relationship for image captioning. In ECCV, pages 711–727, 2018.</a:t>
+            </a:r>
+          </a:p>
+          <a:p>
+            <a:pPr marL="0" indent="0">
+              <a:buNone/>
+            </a:pPr>
+            <a:r>
+              <a:rPr lang="en-US" dirty="0"/>
+              <a:t>[13] J. Lu, C. </a:t>
+            </a:r>
+            <a:r>
+              <a:rPr lang="en-US" dirty="0" err="1"/>
+              <a:t>Xiong</a:t>
+            </a:r>
+            <a:r>
+              <a:rPr lang="en-US" dirty="0"/>
+              <a:t>, D. Parikh, and R. </a:t>
+            </a:r>
+            <a:r>
+              <a:rPr lang="en-US" dirty="0" err="1"/>
+              <a:t>Socher</a:t>
+            </a:r>
+            <a:r>
+              <a:rPr lang="en-US" dirty="0"/>
+              <a:t>. Knowing when to look: Adaptive attention via a visual sentinel for image captioning. In CVPR, pages 3242–3250, 2017.</a:t>
+            </a:r>
+          </a:p>
+          <a:p>
+            <a:pPr marL="0" indent="0">
+              <a:buNone/>
+            </a:pPr>
+            <a:r>
+              <a:rPr lang="en-US" dirty="0"/>
+              <a:t>[14] L. Zhou, C. Xu, P. A. Koch, and J. J. Corso. Watch what you just said: Image captioning with text-conditional attention. In Proceedings of the on Thematic Workshops of ACM Multimedia, pages 305–313, 2017.</a:t>
+            </a:r>
+          </a:p>
+          <a:p>
+            <a:pPr marL="0" indent="0">
+              <a:buNone/>
+            </a:pPr>
+            <a:r>
+              <a:rPr lang="en-US" dirty="0"/>
+              <a:t>[15] </a:t>
+            </a:r>
+            <a:r>
+              <a:rPr lang="en-US" dirty="0" err="1"/>
+              <a:t>Yiyu</a:t>
+            </a:r>
+            <a:r>
+              <a:rPr lang="en-US" dirty="0"/>
+              <a:t> Wang, </a:t>
+            </a:r>
+            <a:r>
+              <a:rPr lang="en-US" dirty="0" err="1"/>
+              <a:t>Jungang</a:t>
+            </a:r>
+            <a:r>
+              <a:rPr lang="en-US" dirty="0"/>
+              <a:t> Xu, Yingfei Sun and Ben He,. Image Captioning based on Deep Learning Methods: A Survey</a:t>
+            </a:r>
+          </a:p>
+          <a:p>
+            <a:pPr marL="0" indent="0">
+              <a:buNone/>
+            </a:pPr>
+            <a:endParaRPr lang="en-US" dirty="0"/>
+          </a:p>
+        </p:txBody>
+      </p:sp>
+      <p:sp>
+        <p:nvSpPr>
+          <p:cNvPr id="5" name="Slide Number Placeholder 4">
+            <a:extLst>
+              <a:ext uri="{FF2B5EF4-FFF2-40B4-BE49-F238E27FC236}">
+                <a16:creationId xmlns:a16="http://schemas.microsoft.com/office/drawing/2014/main" id="{32C996D1-0CBC-4BFE-9F8D-C1024333B8A0}"/>
+              </a:ext>
+            </a:extLst>
+          </p:cNvPr>
+          <p:cNvSpPr>
+            <a:spLocks noGrp="1"/>
+          </p:cNvSpPr>
+          <p:nvPr>
+            <p:ph type="sldNum" sz="quarter" idx="12"/>
+          </p:nvPr>
+        </p:nvSpPr>
+        <p:spPr/>
+        <p:txBody>
+          <a:bodyPr/>
+          <a:lstStyle/>
+          <a:p>
+            <a:fld id="{519954A3-9DFD-4C44-94BA-B95130A3BA1C}" type="slidenum">
+              <a:rPr lang="en-US" smtClean="0"/>
+              <a:t>14</a:t>
+            </a:fld>
+            <a:endParaRPr lang="en-US"/>
+          </a:p>
+        </p:txBody>
+      </p:sp>
+    </p:spTree>
+    <p:extLst>
+      <p:ext uri="{BB962C8B-B14F-4D97-AF65-F5344CB8AC3E}">
+        <p14:creationId xmlns:p14="http://schemas.microsoft.com/office/powerpoint/2010/main" val="3035336011"/>
+      </p:ext>
+    </p:extLst>
+  </p:cSld>
+  <p:clrMapOvr>
+    <a:masterClrMapping/>
+  </p:clrMapOvr>
+</p:sld>
+</file>
+
 <file path=ppt/slides/slide2.xml><?xml version="1.0" encoding="utf-8"?>
 <p:sld xmlns:a="http://schemas.openxmlformats.org/drawingml/2006/main" xmlns:r="http://schemas.openxmlformats.org/officeDocument/2006/relationships" xmlns:p="http://schemas.openxmlformats.org/presentationml/2006/main">
   <p:cSld>
@@ -6414,21 +7761,15 @@
         </p:nvSpPr>
         <p:spPr>
           <a:xfrm>
-            <a:off x="677334" y="1606731"/>
-            <a:ext cx="8596668" cy="5159829"/>
+            <a:off x="677334" y="1289155"/>
+            <a:ext cx="8596668" cy="5477406"/>
           </a:xfrm>
         </p:spPr>
         <p:txBody>
           <a:bodyPr>
-            <a:normAutofit fontScale="92500" lnSpcReduction="10000"/>
+            <a:normAutofit/>
           </a:bodyPr>
           <a:lstStyle/>
-          <a:p>
-            <a:pPr marL="0" indent="0">
-              <a:buNone/>
-            </a:pPr>
-            <a:endParaRPr lang="en-US" sz="2400" dirty="0"/>
-          </a:p>
           <a:p>
             <a:r>
               <a:rPr lang="en-US" dirty="0"/>
@@ -6583,12 +7924,6 @@
           <a:p>
             <a:r>
               <a:rPr lang="en-US" dirty="0"/>
-              <a:t>Microsoft COCO Dataset [1] is a very large dataset for image recognition, segmentation, and captioning. There are various features of MS COCO dataset such as object segmentation, recognition in context, multiple objects per class, more than 300,000 images, 80 object categories, and 5 captions per image. Many image captioning Methods use the dataset in their experiments.</a:t>
-            </a:r>
-          </a:p>
-          <a:p>
-            <a:r>
-              <a:rPr lang="en-US" dirty="0"/>
               <a:t>url: </a:t>
             </a:r>
             <a:r>
@@ -6632,10 +7967,40 @@
               <a:rPr lang="en-US" smtClean="0"/>
               <a:t>3</a:t>
             </a:fld>
-            <a:endParaRPr lang="en-US"/>
-          </a:p>
-        </p:txBody>
-      </p:sp>
+            <a:endParaRPr lang="en-US" dirty="0"/>
+          </a:p>
+        </p:txBody>
+      </p:sp>
+      <p:pic>
+        <p:nvPicPr>
+          <p:cNvPr id="5" name="Picture 4">
+            <a:extLst>
+              <a:ext uri="{FF2B5EF4-FFF2-40B4-BE49-F238E27FC236}">
+                <a16:creationId xmlns:a16="http://schemas.microsoft.com/office/drawing/2014/main" id="{E2E08837-1387-4BC4-B837-5A47BBD5DA88}"/>
+              </a:ext>
+            </a:extLst>
+          </p:cNvPr>
+          <p:cNvPicPr>
+            <a:picLocks noChangeAspect="1"/>
+          </p:cNvPicPr>
+          <p:nvPr/>
+        </p:nvPicPr>
+        <p:blipFill>
+          <a:blip r:embed="rId3"/>
+          <a:stretch>
+            <a:fillRect/>
+          </a:stretch>
+        </p:blipFill>
+        <p:spPr>
+          <a:xfrm>
+            <a:off x="829143" y="2491414"/>
+            <a:ext cx="3937730" cy="4366586"/>
+          </a:xfrm>
+          <a:prstGeom prst="rect">
+            <a:avLst/>
+          </a:prstGeom>
+        </p:spPr>
+      </p:pic>
     </p:spTree>
     <p:extLst>
       <p:ext uri="{BB962C8B-B14F-4D97-AF65-F5344CB8AC3E}">
@@ -7145,7 +8510,7 @@
     </p:spTree>
     <p:extLst>
       <p:ext uri="{BB962C8B-B14F-4D97-AF65-F5344CB8AC3E}">
-        <p14:creationId xmlns:p14="http://schemas.microsoft.com/office/powerpoint/2010/main" val="2743112071"/>
+        <p14:creationId xmlns:p14="http://schemas.microsoft.com/office/powerpoint/2010/main" val="965338806"/>
       </p:ext>
     </p:extLst>
   </p:cSld>
@@ -7188,64 +8553,25 @@
             <p:ph type="title"/>
           </p:nvPr>
         </p:nvSpPr>
-        <p:spPr/>
-        <p:txBody>
-          <a:bodyPr/>
-          <a:lstStyle/>
-          <a:p>
-            <a:r>
-              <a:rPr lang="en-US" b="1" dirty="0"/>
-              <a:t>Conclusions and Future Work</a:t>
-            </a:r>
-          </a:p>
-        </p:txBody>
-      </p:sp>
-      <p:sp>
-        <p:nvSpPr>
-          <p:cNvPr id="4" name="Content Placeholder 3">
-            <a:extLst>
-              <a:ext uri="{FF2B5EF4-FFF2-40B4-BE49-F238E27FC236}">
-                <a16:creationId xmlns:a16="http://schemas.microsoft.com/office/drawing/2014/main" id="{A6B6AFB3-D7D5-44EC-A312-CD08B1EBA93D}"/>
-              </a:ext>
-            </a:extLst>
-          </p:cNvPr>
-          <p:cNvSpPr>
-            <a:spLocks noGrp="1"/>
-          </p:cNvSpPr>
-          <p:nvPr>
-            <p:ph idx="1"/>
-          </p:nvPr>
-        </p:nvSpPr>
         <p:spPr>
           <a:xfrm>
-            <a:off x="677334" y="1606731"/>
-            <a:ext cx="8596668" cy="5159829"/>
+            <a:off x="677334" y="609600"/>
+            <a:ext cx="8596668" cy="799475"/>
           </a:xfrm>
         </p:spPr>
         <p:txBody>
           <a:bodyPr>
-            <a:normAutofit/>
+            <a:normAutofit fontScale="90000"/>
           </a:bodyPr>
           <a:lstStyle/>
           <a:p>
             <a:r>
-              <a:rPr lang="en-US" dirty="0"/>
-              <a:t>In this Image Captioning project, we implemented a Deep learning based technique using Encoder-Decoder Architecture. We have shown our calculated Evaluation Metric - BLEU scores, outperformed the reference BLEU scores.</a:t>
-            </a:r>
-          </a:p>
-          <a:p>
-            <a:r>
-              <a:rPr lang="en-US" dirty="0"/>
-              <a:t>In their paper - BLEU: a Method for Automatic Evaluation of Machine Translation, the authors quote -</a:t>
-            </a:r>
-          </a:p>
-          <a:p>
-            <a:r>
-              <a:rPr lang="en-US" dirty="0"/>
-              <a:t>The BLEU metric ranges from 0 to 1. Few translations will attain a score of 1 unless they are identical to a reference translation. For this reason, even a human translator will not necessarily score 1. […] on a test corpus of about 500 sentences (40 general news stories), a human translator scored 0.3468 against four references and scored 0.2571 against two references.</a:t>
-            </a:r>
-          </a:p>
-          <a:p>
+              <a:rPr lang="en-US" b="1" dirty="0"/>
+              <a:t>Evaluation Metrics – BLEU Score</a:t>
+            </a:r>
+            <a:br>
+              <a:rPr lang="en-US" b="1" dirty="0"/>
+            </a:br>
             <a:endParaRPr lang="en-US" dirty="0"/>
           </a:p>
         </p:txBody>
@@ -7255,7 +8581,7 @@
           <p:cNvPr id="3" name="Slide Number Placeholder 2">
             <a:extLst>
               <a:ext uri="{FF2B5EF4-FFF2-40B4-BE49-F238E27FC236}">
-                <a16:creationId xmlns:a16="http://schemas.microsoft.com/office/drawing/2014/main" id="{6B74F4D6-913D-4EB8-8AA8-82659A26557E}"/>
+                <a16:creationId xmlns:a16="http://schemas.microsoft.com/office/drawing/2014/main" id="{12AE537D-27A2-422B-8A30-388EA8222FDE}"/>
               </a:ext>
             </a:extLst>
           </p:cNvPr>
@@ -7279,10 +8605,563 @@
           </a:p>
         </p:txBody>
       </p:sp>
+      <p:sp>
+        <p:nvSpPr>
+          <p:cNvPr id="8" name="Rectangle 3">
+            <a:extLst>
+              <a:ext uri="{FF2B5EF4-FFF2-40B4-BE49-F238E27FC236}">
+                <a16:creationId xmlns:a16="http://schemas.microsoft.com/office/drawing/2014/main" id="{16C87629-A763-4651-8B81-832C6EE8A928}"/>
+              </a:ext>
+            </a:extLst>
+          </p:cNvPr>
+          <p:cNvSpPr>
+            <a:spLocks noGrp="1" noChangeArrowheads="1"/>
+          </p:cNvSpPr>
+          <p:nvPr>
+            <p:ph idx="1"/>
+          </p:nvPr>
+        </p:nvSpPr>
+        <p:spPr bwMode="auto">
+          <a:xfrm>
+            <a:off x="677863" y="1705458"/>
+            <a:ext cx="7716629" cy="4961564"/>
+          </a:xfrm>
+          <a:prstGeom prst="rect">
+            <a:avLst/>
+          </a:prstGeom>
+          <a:solidFill>
+            <a:srgbClr val="FFFFFF"/>
+          </a:solidFill>
+          <a:ln>
+            <a:noFill/>
+          </a:ln>
+          <a:effectLst/>
+          <a:extLst>
+            <a:ext uri="{91240B29-F687-4F45-9708-019B960494DF}">
+              <a14:hiddenLine xmlns:a14="http://schemas.microsoft.com/office/drawing/2010/main" w="9525">
+                <a:solidFill>
+                  <a:schemeClr val="tx1"/>
+                </a:solidFill>
+                <a:miter lim="800000"/>
+                <a:headEnd/>
+                <a:tailEnd/>
+              </a14:hiddenLine>
+            </a:ext>
+            <a:ext uri="{AF507438-7753-43E0-B8FC-AC1667EBCBE1}">
+              <a14:hiddenEffects xmlns:a14="http://schemas.microsoft.com/office/drawing/2010/main">
+                <a:effectLst>
+                  <a:outerShdw dist="35921" dir="2700000" algn="ctr" rotWithShape="0">
+                    <a:schemeClr val="bg2"/>
+                  </a:outerShdw>
+                </a:effectLst>
+              </a14:hiddenEffects>
+            </a:ext>
+          </a:extLst>
+        </p:spPr>
+        <p:txBody>
+          <a:bodyPr vert="horz" wrap="square" lIns="317400" tIns="158700" rIns="317400" bIns="0" numCol="1" anchor="ctr" anchorCtr="0" compatLnSpc="1">
+            <a:prstTxWarp prst="textNoShape">
+              <a:avLst/>
+            </a:prstTxWarp>
+            <a:spAutoFit/>
+          </a:bodyPr>
+          <a:lstStyle>
+            <a:lvl1pPr eaLnBrk="0" fontAlgn="base" hangingPunct="0">
+              <a:spcBef>
+                <a:spcPct val="0"/>
+              </a:spcBef>
+              <a:spcAft>
+                <a:spcPct val="0"/>
+              </a:spcAft>
+              <a:defRPr>
+                <a:solidFill>
+                  <a:schemeClr val="tx1"/>
+                </a:solidFill>
+                <a:latin typeface="Arial" panose="020B0604020202020204" pitchFamily="34" charset="0"/>
+              </a:defRPr>
+            </a:lvl1pPr>
+            <a:lvl2pPr eaLnBrk="0" fontAlgn="base" hangingPunct="0">
+              <a:spcBef>
+                <a:spcPct val="0"/>
+              </a:spcBef>
+              <a:spcAft>
+                <a:spcPct val="0"/>
+              </a:spcAft>
+              <a:defRPr>
+                <a:solidFill>
+                  <a:schemeClr val="tx1"/>
+                </a:solidFill>
+                <a:latin typeface="Arial" panose="020B0604020202020204" pitchFamily="34" charset="0"/>
+              </a:defRPr>
+            </a:lvl2pPr>
+            <a:lvl3pPr eaLnBrk="0" fontAlgn="base" hangingPunct="0">
+              <a:spcBef>
+                <a:spcPct val="0"/>
+              </a:spcBef>
+              <a:spcAft>
+                <a:spcPct val="0"/>
+              </a:spcAft>
+              <a:defRPr>
+                <a:solidFill>
+                  <a:schemeClr val="tx1"/>
+                </a:solidFill>
+                <a:latin typeface="Arial" panose="020B0604020202020204" pitchFamily="34" charset="0"/>
+              </a:defRPr>
+            </a:lvl3pPr>
+            <a:lvl4pPr eaLnBrk="0" fontAlgn="base" hangingPunct="0">
+              <a:spcBef>
+                <a:spcPct val="0"/>
+              </a:spcBef>
+              <a:spcAft>
+                <a:spcPct val="0"/>
+              </a:spcAft>
+              <a:defRPr>
+                <a:solidFill>
+                  <a:schemeClr val="tx1"/>
+                </a:solidFill>
+                <a:latin typeface="Arial" panose="020B0604020202020204" pitchFamily="34" charset="0"/>
+              </a:defRPr>
+            </a:lvl4pPr>
+            <a:lvl5pPr eaLnBrk="0" fontAlgn="base" hangingPunct="0">
+              <a:spcBef>
+                <a:spcPct val="0"/>
+              </a:spcBef>
+              <a:spcAft>
+                <a:spcPct val="0"/>
+              </a:spcAft>
+              <a:defRPr>
+                <a:solidFill>
+                  <a:schemeClr val="tx1"/>
+                </a:solidFill>
+                <a:latin typeface="Arial" panose="020B0604020202020204" pitchFamily="34" charset="0"/>
+              </a:defRPr>
+            </a:lvl5pPr>
+            <a:lvl6pPr eaLnBrk="0" fontAlgn="base" hangingPunct="0">
+              <a:spcBef>
+                <a:spcPct val="0"/>
+              </a:spcBef>
+              <a:spcAft>
+                <a:spcPct val="0"/>
+              </a:spcAft>
+              <a:defRPr>
+                <a:solidFill>
+                  <a:schemeClr val="tx1"/>
+                </a:solidFill>
+                <a:latin typeface="Arial" panose="020B0604020202020204" pitchFamily="34" charset="0"/>
+              </a:defRPr>
+            </a:lvl6pPr>
+            <a:lvl7pPr eaLnBrk="0" fontAlgn="base" hangingPunct="0">
+              <a:spcBef>
+                <a:spcPct val="0"/>
+              </a:spcBef>
+              <a:spcAft>
+                <a:spcPct val="0"/>
+              </a:spcAft>
+              <a:defRPr>
+                <a:solidFill>
+                  <a:schemeClr val="tx1"/>
+                </a:solidFill>
+                <a:latin typeface="Arial" panose="020B0604020202020204" pitchFamily="34" charset="0"/>
+              </a:defRPr>
+            </a:lvl7pPr>
+            <a:lvl8pPr eaLnBrk="0" fontAlgn="base" hangingPunct="0">
+              <a:spcBef>
+                <a:spcPct val="0"/>
+              </a:spcBef>
+              <a:spcAft>
+                <a:spcPct val="0"/>
+              </a:spcAft>
+              <a:defRPr>
+                <a:solidFill>
+                  <a:schemeClr val="tx1"/>
+                </a:solidFill>
+                <a:latin typeface="Arial" panose="020B0604020202020204" pitchFamily="34" charset="0"/>
+              </a:defRPr>
+            </a:lvl8pPr>
+            <a:lvl9pPr eaLnBrk="0" fontAlgn="base" hangingPunct="0">
+              <a:spcBef>
+                <a:spcPct val="0"/>
+              </a:spcBef>
+              <a:spcAft>
+                <a:spcPct val="0"/>
+              </a:spcAft>
+              <a:defRPr>
+                <a:solidFill>
+                  <a:schemeClr val="tx1"/>
+                </a:solidFill>
+                <a:latin typeface="Arial" panose="020B0604020202020204" pitchFamily="34" charset="0"/>
+              </a:defRPr>
+            </a:lvl9pPr>
+          </a:lstStyle>
+          <a:p>
+            <a:pPr marL="0" marR="0" lvl="0" indent="0" algn="l" defTabSz="914400" rtl="0" eaLnBrk="0" fontAlgn="base" latinLnBrk="0" hangingPunct="0">
+              <a:lnSpc>
+                <a:spcPct val="100000"/>
+              </a:lnSpc>
+              <a:spcBef>
+                <a:spcPct val="0"/>
+              </a:spcBef>
+              <a:spcAft>
+                <a:spcPct val="0"/>
+              </a:spcAft>
+              <a:buClrTx/>
+              <a:buSzTx/>
+              <a:buFontTx/>
+              <a:buNone/>
+              <a:tabLst/>
+            </a:pPr>
+            <a:r>
+              <a:rPr kumimoji="0" lang="en-US" altLang="en-US" b="0" i="0" u="none" strike="noStrike" cap="none" normalizeH="0" baseline="0" dirty="0">
+                <a:ln>
+                  <a:noFill/>
+                </a:ln>
+                <a:solidFill>
+                  <a:srgbClr val="000000"/>
+                </a:solidFill>
+                <a:effectLst/>
+                <a:latin typeface="Courier New" panose="02070309020205020404" pitchFamily="49" charset="0"/>
+                <a:cs typeface="Courier New" panose="02070309020205020404" pitchFamily="49" charset="0"/>
+              </a:rPr>
+              <a:t>Evaluation performance on MS-COCO validation dataset</a:t>
+            </a:r>
+          </a:p>
+          <a:p>
+            <a:pPr marL="0" marR="0" lvl="0" indent="0" algn="l" defTabSz="914400" rtl="0" eaLnBrk="0" fontAlgn="base" latinLnBrk="0" hangingPunct="0">
+              <a:lnSpc>
+                <a:spcPct val="100000"/>
+              </a:lnSpc>
+              <a:spcBef>
+                <a:spcPct val="0"/>
+              </a:spcBef>
+              <a:spcAft>
+                <a:spcPct val="0"/>
+              </a:spcAft>
+              <a:buClrTx/>
+              <a:buSzTx/>
+              <a:buFontTx/>
+              <a:buNone/>
+              <a:tabLst/>
+            </a:pPr>
+            <a:br>
+              <a:rPr lang="en-US" altLang="en-US" dirty="0">
+                <a:solidFill>
+                  <a:srgbClr val="000000"/>
+                </a:solidFill>
+                <a:latin typeface="Courier New" panose="02070309020205020404" pitchFamily="49" charset="0"/>
+                <a:cs typeface="Courier New" panose="02070309020205020404" pitchFamily="49" charset="0"/>
+              </a:rPr>
+            </a:br>
+            <a:r>
+              <a:rPr kumimoji="0" lang="en-US" altLang="en-US" b="0" i="0" u="none" strike="noStrike" cap="none" normalizeH="0" baseline="0" dirty="0">
+                <a:ln>
+                  <a:noFill/>
+                </a:ln>
+                <a:solidFill>
+                  <a:srgbClr val="000000"/>
+                </a:solidFill>
+                <a:effectLst/>
+                <a:latin typeface="Courier New" panose="02070309020205020404" pitchFamily="49" charset="0"/>
+                <a:cs typeface="Courier New" panose="02070309020205020404" pitchFamily="49" charset="0"/>
+              </a:rPr>
+              <a:t>BLEU-1: 0.6508 </a:t>
+            </a:r>
+          </a:p>
+          <a:p>
+            <a:pPr marL="0" marR="0" lvl="0" indent="0" algn="l" defTabSz="914400" rtl="0" eaLnBrk="0" fontAlgn="base" latinLnBrk="0" hangingPunct="0">
+              <a:lnSpc>
+                <a:spcPct val="100000"/>
+              </a:lnSpc>
+              <a:spcBef>
+                <a:spcPct val="0"/>
+              </a:spcBef>
+              <a:spcAft>
+                <a:spcPct val="0"/>
+              </a:spcAft>
+              <a:buClrTx/>
+              <a:buSzTx/>
+              <a:buFontTx/>
+              <a:buNone/>
+              <a:tabLst/>
+            </a:pPr>
+            <a:r>
+              <a:rPr kumimoji="0" lang="en-US" altLang="en-US" b="0" i="0" u="none" strike="noStrike" cap="none" normalizeH="0" baseline="0" dirty="0">
+                <a:ln>
+                  <a:noFill/>
+                </a:ln>
+                <a:solidFill>
+                  <a:srgbClr val="000000"/>
+                </a:solidFill>
+                <a:effectLst/>
+                <a:latin typeface="Courier New" panose="02070309020205020404" pitchFamily="49" charset="0"/>
+                <a:cs typeface="Courier New" panose="02070309020205020404" pitchFamily="49" charset="0"/>
+              </a:rPr>
+              <a:t>BLEU-2: 0.4527 </a:t>
+            </a:r>
+          </a:p>
+          <a:p>
+            <a:pPr marL="0" marR="0" lvl="0" indent="0" algn="l" defTabSz="914400" rtl="0" eaLnBrk="0" fontAlgn="base" latinLnBrk="0" hangingPunct="0">
+              <a:lnSpc>
+                <a:spcPct val="100000"/>
+              </a:lnSpc>
+              <a:spcBef>
+                <a:spcPct val="0"/>
+              </a:spcBef>
+              <a:spcAft>
+                <a:spcPct val="0"/>
+              </a:spcAft>
+              <a:buClrTx/>
+              <a:buSzTx/>
+              <a:buFontTx/>
+              <a:buNone/>
+              <a:tabLst/>
+            </a:pPr>
+            <a:r>
+              <a:rPr kumimoji="0" lang="en-US" altLang="en-US" b="0" i="0" u="none" strike="noStrike" cap="none" normalizeH="0" baseline="0" dirty="0">
+                <a:ln>
+                  <a:noFill/>
+                </a:ln>
+                <a:solidFill>
+                  <a:srgbClr val="000000"/>
+                </a:solidFill>
+                <a:effectLst/>
+                <a:latin typeface="Courier New" panose="02070309020205020404" pitchFamily="49" charset="0"/>
+                <a:cs typeface="Courier New" panose="02070309020205020404" pitchFamily="49" charset="0"/>
+              </a:rPr>
+              <a:t>BLEU-3: 0.3099 </a:t>
+            </a:r>
+          </a:p>
+          <a:p>
+            <a:pPr marL="0" marR="0" lvl="0" indent="0" algn="l" defTabSz="914400" rtl="0" eaLnBrk="0" fontAlgn="base" latinLnBrk="0" hangingPunct="0">
+              <a:lnSpc>
+                <a:spcPct val="100000"/>
+              </a:lnSpc>
+              <a:spcBef>
+                <a:spcPct val="0"/>
+              </a:spcBef>
+              <a:spcAft>
+                <a:spcPct val="0"/>
+              </a:spcAft>
+              <a:buClrTx/>
+              <a:buSzTx/>
+              <a:buFontTx/>
+              <a:buNone/>
+              <a:tabLst/>
+            </a:pPr>
+            <a:r>
+              <a:rPr kumimoji="0" lang="en-US" altLang="en-US" b="0" i="0" u="none" strike="noStrike" cap="none" normalizeH="0" baseline="0" dirty="0">
+                <a:ln>
+                  <a:noFill/>
+                </a:ln>
+                <a:solidFill>
+                  <a:srgbClr val="000000"/>
+                </a:solidFill>
+                <a:effectLst/>
+                <a:latin typeface="Courier New" panose="02070309020205020404" pitchFamily="49" charset="0"/>
+                <a:cs typeface="Courier New" panose="02070309020205020404" pitchFamily="49" charset="0"/>
+              </a:rPr>
+              <a:t>BLEU-4: 0.2145 </a:t>
+            </a:r>
+          </a:p>
+          <a:p>
+            <a:pPr marL="0" marR="0" lvl="0" indent="0" algn="l" defTabSz="914400" rtl="0" eaLnBrk="0" fontAlgn="base" latinLnBrk="0" hangingPunct="0">
+              <a:lnSpc>
+                <a:spcPct val="100000"/>
+              </a:lnSpc>
+              <a:spcBef>
+                <a:spcPct val="0"/>
+              </a:spcBef>
+              <a:spcAft>
+                <a:spcPct val="0"/>
+              </a:spcAft>
+              <a:buClrTx/>
+              <a:buSzTx/>
+              <a:buFontTx/>
+              <a:buNone/>
+              <a:tabLst/>
+            </a:pPr>
+            <a:endParaRPr kumimoji="0" lang="en-US" altLang="en-US" sz="1600" b="0" i="0" u="none" strike="noStrike" cap="none" normalizeH="0" baseline="0" dirty="0">
+              <a:ln>
+                <a:noFill/>
+              </a:ln>
+              <a:solidFill>
+                <a:srgbClr val="000000"/>
+              </a:solidFill>
+              <a:effectLst/>
+              <a:latin typeface="Helvetica Neue"/>
+            </a:endParaRPr>
+          </a:p>
+          <a:p>
+            <a:pPr marL="0" marR="0" lvl="0" indent="0" algn="l" defTabSz="914400" rtl="0" eaLnBrk="0" fontAlgn="base" latinLnBrk="0" hangingPunct="0">
+              <a:lnSpc>
+                <a:spcPct val="100000"/>
+              </a:lnSpc>
+              <a:spcBef>
+                <a:spcPct val="0"/>
+              </a:spcBef>
+              <a:spcAft>
+                <a:spcPct val="0"/>
+              </a:spcAft>
+              <a:buClrTx/>
+              <a:buSzTx/>
+              <a:buFontTx/>
+              <a:buNone/>
+              <a:tabLst/>
+            </a:pPr>
+            <a:r>
+              <a:rPr kumimoji="0" lang="en-US" altLang="en-US" sz="1600" b="0" i="0" u="none" strike="noStrike" cap="none" normalizeH="0" baseline="0" dirty="0">
+                <a:ln>
+                  <a:noFill/>
+                </a:ln>
+                <a:solidFill>
+                  <a:srgbClr val="000000"/>
+                </a:solidFill>
+                <a:effectLst/>
+                <a:latin typeface="Helvetica Neue"/>
+              </a:rPr>
+              <a:t>To evaluate the skill of the model using BLEU scores:</a:t>
+            </a:r>
+          </a:p>
+          <a:p>
+            <a:pPr marL="0" marR="0" lvl="0" indent="0" algn="l" defTabSz="914400" rtl="0" eaLnBrk="0" fontAlgn="base" latinLnBrk="0" hangingPunct="0">
+              <a:lnSpc>
+                <a:spcPct val="100000"/>
+              </a:lnSpc>
+              <a:spcBef>
+                <a:spcPct val="0"/>
+              </a:spcBef>
+              <a:spcAft>
+                <a:spcPct val="0"/>
+              </a:spcAft>
+              <a:buClrTx/>
+              <a:buSzTx/>
+              <a:buFontTx/>
+              <a:buNone/>
+              <a:tabLst/>
+            </a:pPr>
+            <a:r>
+              <a:rPr kumimoji="0" lang="en-US" altLang="en-US" sz="1600" b="0" i="0" u="none" strike="noStrike" cap="none" normalizeH="0" baseline="0" dirty="0">
+                <a:ln>
+                  <a:noFill/>
+                </a:ln>
+                <a:solidFill>
+                  <a:srgbClr val="000000"/>
+                </a:solidFill>
+                <a:effectLst/>
+                <a:latin typeface="Helvetica Neue"/>
+              </a:rPr>
+              <a:t>For reference, below are some ball-park BLEU scores for skillful models when evaluated on the test dataset (taken from the 2017 paper - Where to put the Image in an Image Caption Generator ) :</a:t>
+            </a:r>
+          </a:p>
+          <a:p>
+            <a:pPr marL="0" marR="0" lvl="0" indent="0" algn="l" defTabSz="914400" rtl="0" eaLnBrk="0" fontAlgn="base" latinLnBrk="0" hangingPunct="0">
+              <a:lnSpc>
+                <a:spcPct val="100000"/>
+              </a:lnSpc>
+              <a:spcBef>
+                <a:spcPct val="0"/>
+              </a:spcBef>
+              <a:spcAft>
+                <a:spcPct val="0"/>
+              </a:spcAft>
+              <a:buClrTx/>
+              <a:buSzTx/>
+              <a:buFontTx/>
+              <a:buNone/>
+              <a:tabLst/>
+            </a:pPr>
+            <a:endParaRPr kumimoji="0" lang="en-US" altLang="en-US" sz="1600" b="0" i="0" u="none" strike="noStrike" cap="none" normalizeH="0" baseline="0" dirty="0">
+              <a:ln>
+                <a:noFill/>
+              </a:ln>
+              <a:solidFill>
+                <a:srgbClr val="000000"/>
+              </a:solidFill>
+              <a:effectLst/>
+              <a:latin typeface="Helvetica Neue"/>
+            </a:endParaRPr>
+          </a:p>
+          <a:p>
+            <a:pPr marL="0" indent="0" defTabSz="914400">
+              <a:buClrTx/>
+              <a:buSzTx/>
+              <a:buNone/>
+            </a:pPr>
+            <a:r>
+              <a:rPr lang="en-US" dirty="0"/>
+              <a:t>BLEU-1: 0.401 to 0.578</a:t>
+            </a:r>
+            <a:endParaRPr kumimoji="0" lang="en-US" altLang="en-US" sz="1600" b="0" i="0" u="none" strike="noStrike" cap="none" normalizeH="0" baseline="0" dirty="0">
+              <a:ln>
+                <a:noFill/>
+              </a:ln>
+              <a:solidFill>
+                <a:srgbClr val="000000"/>
+              </a:solidFill>
+              <a:effectLst/>
+              <a:latin typeface="Helvetica Neue"/>
+            </a:endParaRPr>
+          </a:p>
+          <a:p>
+            <a:pPr marL="0" indent="0">
+              <a:buNone/>
+            </a:pPr>
+            <a:r>
+              <a:rPr lang="pl-PL" dirty="0"/>
+              <a:t>BLEU-2: 0.176 to 0.390</a:t>
+            </a:r>
+          </a:p>
+          <a:p>
+            <a:pPr marL="0" indent="0">
+              <a:buNone/>
+            </a:pPr>
+            <a:r>
+              <a:rPr lang="pl-PL" dirty="0"/>
+              <a:t>BLEU-3: 0.099 to 0.260</a:t>
+            </a:r>
+          </a:p>
+          <a:p>
+            <a:pPr marL="0" indent="0">
+              <a:buNone/>
+            </a:pPr>
+            <a:r>
+              <a:rPr lang="pl-PL" dirty="0"/>
+              <a:t>BLEU-4: 0.059 to 0.170</a:t>
+            </a:r>
+          </a:p>
+          <a:p>
+            <a:pPr marL="0" marR="0" lvl="0" indent="0" algn="l" defTabSz="914400" rtl="0" eaLnBrk="0" fontAlgn="base" latinLnBrk="0" hangingPunct="0">
+              <a:lnSpc>
+                <a:spcPct val="100000"/>
+              </a:lnSpc>
+              <a:spcBef>
+                <a:spcPct val="0"/>
+              </a:spcBef>
+              <a:spcAft>
+                <a:spcPct val="0"/>
+              </a:spcAft>
+              <a:buClrTx/>
+              <a:buSzTx/>
+              <a:buFontTx/>
+              <a:buNone/>
+              <a:tabLst/>
+            </a:pPr>
+            <a:endParaRPr kumimoji="0" lang="en-US" altLang="en-US" sz="1800" b="0" i="0" u="none" strike="noStrike" cap="none" normalizeH="0" baseline="0" dirty="0">
+              <a:ln>
+                <a:noFill/>
+              </a:ln>
+              <a:solidFill>
+                <a:schemeClr val="tx1"/>
+              </a:solidFill>
+              <a:effectLst/>
+              <a:latin typeface="Arial" panose="020B0604020202020204" pitchFamily="34" charset="0"/>
+            </a:endParaRPr>
+          </a:p>
+        </p:txBody>
+      </p:sp>
     </p:spTree>
     <p:extLst>
       <p:ext uri="{BB962C8B-B14F-4D97-AF65-F5344CB8AC3E}">
-        <p14:creationId xmlns:p14="http://schemas.microsoft.com/office/powerpoint/2010/main" val="407667818"/>
+        <p14:creationId xmlns:p14="http://schemas.microsoft.com/office/powerpoint/2010/main" val="699423140"/>
       </p:ext>
     </p:extLst>
   </p:cSld>
@@ -7332,71 +9211,21 @@
           <a:p>
             <a:r>
               <a:rPr lang="en-US" b="1" dirty="0"/>
-              <a:t>Conclusions and Future Work</a:t>
-            </a:r>
+              <a:t>Sample Image/Caption</a:t>
+            </a:r>
+            <a:br>
+              <a:rPr lang="en-US" b="1" dirty="0"/>
+            </a:br>
             <a:endParaRPr lang="en-US" dirty="0"/>
           </a:p>
         </p:txBody>
       </p:sp>
       <p:sp>
         <p:nvSpPr>
-          <p:cNvPr id="4" name="Content Placeholder 3">
+          <p:cNvPr id="3" name="Slide Number Placeholder 2">
             <a:extLst>
               <a:ext uri="{FF2B5EF4-FFF2-40B4-BE49-F238E27FC236}">
-                <a16:creationId xmlns:a16="http://schemas.microsoft.com/office/drawing/2014/main" id="{A6B6AFB3-D7D5-44EC-A312-CD08B1EBA93D}"/>
-              </a:ext>
-            </a:extLst>
-          </p:cNvPr>
-          <p:cNvSpPr>
-            <a:spLocks noGrp="1"/>
-          </p:cNvSpPr>
-          <p:nvPr>
-            <p:ph idx="1"/>
-          </p:nvPr>
-        </p:nvSpPr>
-        <p:spPr>
-          <a:xfrm>
-            <a:off x="677334" y="1606731"/>
-            <a:ext cx="8596668" cy="5159829"/>
-          </a:xfrm>
-        </p:spPr>
-        <p:txBody>
-          <a:bodyPr>
-            <a:normAutofit/>
-          </a:bodyPr>
-          <a:lstStyle/>
-          <a:p>
-            <a:pPr marL="0" indent="0">
-              <a:buNone/>
-            </a:pPr>
-            <a:r>
-              <a:rPr lang="en-US" dirty="0"/>
-              <a:t>Future improvements to investigate further:</a:t>
-            </a:r>
-          </a:p>
-          <a:p>
-            <a:r>
-              <a:rPr lang="en-US" dirty="0"/>
-              <a:t>1) Beam Search as an approximate search (often works better than the greedy approach)</a:t>
-            </a:r>
-          </a:p>
-          <a:p>
-            <a:r>
-              <a:rPr lang="en-US" dirty="0"/>
-              <a:t>2) Implement other models like attention based model (Show, Attend and Tell: Neural Image Caption Generation with Visual Attention )</a:t>
-            </a:r>
-          </a:p>
-          <a:p>
-            <a:endParaRPr lang="en-US" dirty="0"/>
-          </a:p>
-        </p:txBody>
-      </p:sp>
-      <p:sp>
-        <p:nvSpPr>
-          <p:cNvPr id="5" name="Slide Number Placeholder 4">
-            <a:extLst>
-              <a:ext uri="{FF2B5EF4-FFF2-40B4-BE49-F238E27FC236}">
-                <a16:creationId xmlns:a16="http://schemas.microsoft.com/office/drawing/2014/main" id="{32C996D1-0CBC-4BFE-9F8D-C1024333B8A0}"/>
+                <a16:creationId xmlns:a16="http://schemas.microsoft.com/office/drawing/2014/main" id="{12AE537D-27A2-422B-8A30-388EA8222FDE}"/>
               </a:ext>
             </a:extLst>
           </p:cNvPr>
@@ -7420,10 +9249,188 @@
           </a:p>
         </p:txBody>
       </p:sp>
+      <p:pic>
+        <p:nvPicPr>
+          <p:cNvPr id="3074" name="Picture 2">
+            <a:extLst>
+              <a:ext uri="{FF2B5EF4-FFF2-40B4-BE49-F238E27FC236}">
+                <a16:creationId xmlns:a16="http://schemas.microsoft.com/office/drawing/2014/main" id="{653BD257-FB61-4345-9A13-1A9367B26523}"/>
+              </a:ext>
+            </a:extLst>
+          </p:cNvPr>
+          <p:cNvPicPr>
+            <a:picLocks noChangeAspect="1" noChangeArrowheads="1"/>
+          </p:cNvPicPr>
+          <p:nvPr/>
+        </p:nvPicPr>
+        <p:blipFill>
+          <a:blip r:embed="rId2">
+            <a:extLst>
+              <a:ext uri="{28A0092B-C50C-407E-A947-70E740481C1C}">
+                <a14:useLocalDpi xmlns:a14="http://schemas.microsoft.com/office/drawing/2010/main" val="0"/>
+              </a:ext>
+            </a:extLst>
+          </a:blip>
+          <a:srcRect/>
+          <a:stretch>
+            <a:fillRect/>
+          </a:stretch>
+        </p:blipFill>
+        <p:spPr bwMode="auto">
+          <a:xfrm>
+            <a:off x="854439" y="2064013"/>
+            <a:ext cx="8077893" cy="4793987"/>
+          </a:xfrm>
+          <a:prstGeom prst="rect">
+            <a:avLst/>
+          </a:prstGeom>
+          <a:noFill/>
+          <a:extLst>
+            <a:ext uri="{909E8E84-426E-40DD-AFC4-6F175D3DCCD1}">
+              <a14:hiddenFill xmlns:a14="http://schemas.microsoft.com/office/drawing/2010/main">
+                <a:solidFill>
+                  <a:srgbClr val="FFFFFF"/>
+                </a:solidFill>
+              </a14:hiddenFill>
+            </a:ext>
+          </a:extLst>
+        </p:spPr>
+      </p:pic>
+      <p:sp>
+        <p:nvSpPr>
+          <p:cNvPr id="4" name="Content Placeholder 3">
+            <a:extLst>
+              <a:ext uri="{FF2B5EF4-FFF2-40B4-BE49-F238E27FC236}">
+                <a16:creationId xmlns:a16="http://schemas.microsoft.com/office/drawing/2014/main" id="{DFB8120D-13CC-406D-8C9C-FF7BEDF50447}"/>
+              </a:ext>
+            </a:extLst>
+          </p:cNvPr>
+          <p:cNvSpPr>
+            <a:spLocks noGrp="1" noChangeArrowheads="1"/>
+          </p:cNvSpPr>
+          <p:nvPr>
+            <p:ph idx="1"/>
+          </p:nvPr>
+        </p:nvSpPr>
+        <p:spPr bwMode="auto">
+          <a:xfrm>
+            <a:off x="1526458" y="1561068"/>
+            <a:ext cx="7405874" cy="369332"/>
+          </a:xfrm>
+          <a:prstGeom prst="rect">
+            <a:avLst/>
+          </a:prstGeom>
+          <a:solidFill>
+            <a:srgbClr val="FFFFFF"/>
+          </a:solidFill>
+          <a:ln>
+            <a:noFill/>
+          </a:ln>
+          <a:effectLst/>
+          <a:extLst>
+            <a:ext uri="{91240B29-F687-4F45-9708-019B960494DF}">
+              <a14:hiddenLine xmlns:a14="http://schemas.microsoft.com/office/drawing/2010/main" w="9525">
+                <a:solidFill>
+                  <a:schemeClr val="tx1"/>
+                </a:solidFill>
+                <a:miter lim="800000"/>
+                <a:headEnd/>
+                <a:tailEnd/>
+              </a14:hiddenLine>
+            </a:ext>
+            <a:ext uri="{AF507438-7753-43E0-B8FC-AC1667EBCBE1}">
+              <a14:hiddenEffects xmlns:a14="http://schemas.microsoft.com/office/drawing/2010/main">
+                <a:effectLst>
+                  <a:outerShdw dist="35921" dir="2700000" algn="ctr" rotWithShape="0">
+                    <a:schemeClr val="bg2"/>
+                  </a:outerShdw>
+                </a:effectLst>
+              </a14:hiddenEffects>
+            </a:ext>
+          </a:extLst>
+        </p:spPr>
+        <p:txBody>
+          <a:bodyPr vert="horz" wrap="none" lIns="0" tIns="0" rIns="0" bIns="0" numCol="1" anchor="ctr" anchorCtr="0" compatLnSpc="1">
+            <a:prstTxWarp prst="textNoShape">
+              <a:avLst/>
+            </a:prstTxWarp>
+            <a:spAutoFit/>
+          </a:bodyPr>
+          <a:lstStyle/>
+          <a:p>
+            <a:pPr marL="0" marR="0" lvl="0" indent="0" algn="l" defTabSz="914400" rtl="0" eaLnBrk="0" fontAlgn="base" latinLnBrk="0" hangingPunct="0">
+              <a:lnSpc>
+                <a:spcPct val="100000"/>
+              </a:lnSpc>
+              <a:spcBef>
+                <a:spcPct val="0"/>
+              </a:spcBef>
+              <a:spcAft>
+                <a:spcPct val="0"/>
+              </a:spcAft>
+              <a:buClrTx/>
+              <a:buSzTx/>
+              <a:buFontTx/>
+              <a:buNone/>
+              <a:tabLst/>
+            </a:pPr>
+            <a:r>
+              <a:rPr kumimoji="0" lang="en-US" altLang="en-US" sz="2000" b="0" i="0" u="none" strike="noStrike" cap="none" normalizeH="0" baseline="0" dirty="0">
+                <a:ln>
+                  <a:noFill/>
+                </a:ln>
+                <a:solidFill>
+                  <a:srgbClr val="000000"/>
+                </a:solidFill>
+                <a:effectLst/>
+                <a:latin typeface="Courier New" panose="02070309020205020404" pitchFamily="49" charset="0"/>
+                <a:cs typeface="Courier New" panose="02070309020205020404" pitchFamily="49" charset="0"/>
+              </a:rPr>
+              <a:t>A </a:t>
+            </a:r>
+            <a:r>
+              <a:rPr kumimoji="0" lang="en-US" altLang="en-US" sz="2400" b="0" i="0" u="none" strike="noStrike" cap="none" normalizeH="0" baseline="0" dirty="0">
+                <a:ln>
+                  <a:noFill/>
+                </a:ln>
+                <a:solidFill>
+                  <a:srgbClr val="000000"/>
+                </a:solidFill>
+                <a:effectLst/>
+                <a:latin typeface="Courier New" panose="02070309020205020404" pitchFamily="49" charset="0"/>
+                <a:cs typeface="Courier New" panose="02070309020205020404" pitchFamily="49" charset="0"/>
+              </a:rPr>
+              <a:t>group of people walking down a street.</a:t>
+            </a:r>
+            <a:r>
+              <a:rPr kumimoji="0" lang="en-US" altLang="en-US" sz="2400" b="0" i="0" u="none" strike="noStrike" cap="none" normalizeH="0" baseline="0" dirty="0">
+                <a:ln>
+                  <a:noFill/>
+                </a:ln>
+                <a:solidFill>
+                  <a:schemeClr val="tx1"/>
+                </a:solidFill>
+                <a:effectLst/>
+              </a:rPr>
+              <a:t> </a:t>
+            </a:r>
+            <a:endParaRPr kumimoji="0" lang="en-US" altLang="en-US" sz="2400" b="0" i="0" u="none" strike="noStrike" cap="none" normalizeH="0" baseline="0" dirty="0">
+              <a:ln>
+                <a:noFill/>
+              </a:ln>
+              <a:solidFill>
+                <a:schemeClr val="tx1"/>
+              </a:solidFill>
+              <a:effectLst/>
+              <a:latin typeface="Arial" panose="020B0604020202020204" pitchFamily="34" charset="0"/>
+            </a:endParaRPr>
+          </a:p>
+        </p:txBody>
+      </p:sp>
     </p:spTree>
     <p:extLst>
       <p:ext uri="{BB962C8B-B14F-4D97-AF65-F5344CB8AC3E}">
-        <p14:creationId xmlns:p14="http://schemas.microsoft.com/office/powerpoint/2010/main" val="2211167120"/>
+        <p14:creationId xmlns:p14="http://schemas.microsoft.com/office/powerpoint/2010/main" val="2167247069"/>
       </p:ext>
     </p:extLst>
   </p:cSld>
@@ -7472,8 +9479,8 @@
           <a:lstStyle/>
           <a:p>
             <a:r>
-              <a:rPr lang="en-US" dirty="0"/>
-              <a:t>Recommendations to the Client</a:t>
+              <a:rPr lang="en-US" b="1" dirty="0"/>
+              <a:t>Conclusions and Future Work</a:t>
             </a:r>
           </a:p>
         </p:txBody>
@@ -7506,22 +9513,53 @@
           </a:bodyPr>
           <a:lstStyle/>
           <a:p>
-            <a:pPr marL="0" indent="0">
-              <a:buNone/>
-            </a:pPr>
-            <a:r>
-              <a:rPr lang="en-US" dirty="0"/>
-              <a:t>Facebook can use Image captioning functionality to automatically generate captions for photos in the News Feed of people who can't see them. This can be used with text-to-speech engines that allow blind people to use Facebook in other ways</a:t>
-            </a:r>
-          </a:p>
-        </p:txBody>
-      </p:sp>
-      <p:sp>
-        <p:nvSpPr>
-          <p:cNvPr id="5" name="Slide Number Placeholder 4">
+            <a:r>
+              <a:rPr lang="en-US" dirty="0"/>
+              <a:t>In this Image Captioning project, we implemented a Deep learning-based technique using Encoder-Decoder Architecture. We have shown our calculated Evaluation Metric - BLEU scores, outperformed the reference BLEU scores (</a:t>
+            </a:r>
+            <a:r>
+              <a:rPr lang="en-US" dirty="0">
+                <a:solidFill>
+                  <a:srgbClr val="000000"/>
+                </a:solidFill>
+                <a:latin typeface="Helvetica Neue"/>
+              </a:rPr>
+              <a:t>B</a:t>
+            </a:r>
+            <a:r>
+              <a:rPr lang="en-US" altLang="en-US" dirty="0">
+                <a:solidFill>
+                  <a:srgbClr val="000000"/>
+                </a:solidFill>
+                <a:latin typeface="Helvetica Neue"/>
+              </a:rPr>
+              <a:t>all-park BLEU scores for skillful models when evaluated on the test dataset, taken from the 2017 paper - Where to put the Image in an Image Caption Generator ) </a:t>
+            </a:r>
+            <a:endParaRPr lang="en-US" dirty="0"/>
+          </a:p>
+          <a:p>
+            <a:r>
+              <a:rPr lang="en-US" dirty="0"/>
+              <a:t>In their paper - BLEU: a Method for Automatic Evaluation of Machine Translation, the authors quote -</a:t>
+            </a:r>
+          </a:p>
+          <a:p>
+            <a:r>
+              <a:rPr lang="en-US" dirty="0"/>
+              <a:t>The BLEU metric ranges from 0 to 1. Few translations will attain a score of 1 unless they are identical to a reference translation. For this reason, even a human translator will not necessarily score 1. […] on a test corpus of about 500 sentences (40 general news stories), a human translator scored 0.3468 against four references and scored 0.2571 against two references.</a:t>
+            </a:r>
+          </a:p>
+          <a:p>
+            <a:endParaRPr lang="en-US" dirty="0"/>
+          </a:p>
+        </p:txBody>
+      </p:sp>
+      <p:sp>
+        <p:nvSpPr>
+          <p:cNvPr id="3" name="Slide Number Placeholder 2">
             <a:extLst>
               <a:ext uri="{FF2B5EF4-FFF2-40B4-BE49-F238E27FC236}">
-                <a16:creationId xmlns:a16="http://schemas.microsoft.com/office/drawing/2014/main" id="{32C996D1-0CBC-4BFE-9F8D-C1024333B8A0}"/>
+                <a16:creationId xmlns:a16="http://schemas.microsoft.com/office/drawing/2014/main" id="{6B74F4D6-913D-4EB8-8AA8-82659A26557E}"/>
               </a:ext>
             </a:extLst>
           </p:cNvPr>
@@ -7548,7 +9586,7 @@
     </p:spTree>
     <p:extLst>
       <p:ext uri="{BB962C8B-B14F-4D97-AF65-F5344CB8AC3E}">
-        <p14:creationId xmlns:p14="http://schemas.microsoft.com/office/powerpoint/2010/main" val="811417787"/>
+        <p14:creationId xmlns:p14="http://schemas.microsoft.com/office/powerpoint/2010/main" val="407667818"/>
       </p:ext>
     </p:extLst>
   </p:cSld>
